--- a/course/CSE_6748_Midterm_Progress_Report.pptx
+++ b/course/CSE_6748_Midterm_Progress_Report.pptx
@@ -8,29 +8,28 @@
     <p:sldId id="256" r:id="rId2"/>
     <p:sldId id="257" r:id="rId3"/>
     <p:sldId id="258" r:id="rId4"/>
-    <p:sldId id="264" r:id="rId5"/>
-    <p:sldId id="259" r:id="rId6"/>
-    <p:sldId id="260" r:id="rId7"/>
-    <p:sldId id="261" r:id="rId8"/>
-    <p:sldId id="262" r:id="rId9"/>
-    <p:sldId id="263" r:id="rId10"/>
-    <p:sldId id="265" r:id="rId11"/>
-    <p:sldId id="266" r:id="rId12"/>
-    <p:sldId id="267" r:id="rId13"/>
-    <p:sldId id="268" r:id="rId14"/>
-    <p:sldId id="269" r:id="rId15"/>
-    <p:sldId id="270" r:id="rId16"/>
-    <p:sldId id="271" r:id="rId17"/>
-    <p:sldId id="272" r:id="rId18"/>
-    <p:sldId id="273" r:id="rId19"/>
-    <p:sldId id="274" r:id="rId20"/>
-    <p:sldId id="275" r:id="rId21"/>
-    <p:sldId id="276" r:id="rId22"/>
-    <p:sldId id="277" r:id="rId23"/>
-    <p:sldId id="278" r:id="rId24"/>
-    <p:sldId id="279" r:id="rId25"/>
-    <p:sldId id="280" r:id="rId26"/>
-    <p:sldId id="281" r:id="rId27"/>
+    <p:sldId id="259" r:id="rId5"/>
+    <p:sldId id="260" r:id="rId6"/>
+    <p:sldId id="261" r:id="rId7"/>
+    <p:sldId id="262" r:id="rId8"/>
+    <p:sldId id="263" r:id="rId9"/>
+    <p:sldId id="265" r:id="rId10"/>
+    <p:sldId id="266" r:id="rId11"/>
+    <p:sldId id="267" r:id="rId12"/>
+    <p:sldId id="268" r:id="rId13"/>
+    <p:sldId id="269" r:id="rId14"/>
+    <p:sldId id="270" r:id="rId15"/>
+    <p:sldId id="271" r:id="rId16"/>
+    <p:sldId id="272" r:id="rId17"/>
+    <p:sldId id="273" r:id="rId18"/>
+    <p:sldId id="274" r:id="rId19"/>
+    <p:sldId id="275" r:id="rId20"/>
+    <p:sldId id="276" r:id="rId21"/>
+    <p:sldId id="277" r:id="rId22"/>
+    <p:sldId id="278" r:id="rId23"/>
+    <p:sldId id="279" r:id="rId24"/>
+    <p:sldId id="280" r:id="rId25"/>
+    <p:sldId id="281" r:id="rId26"/>
   </p:sldIdLst>
   <p:sldSz cx="12192000" cy="6858000"/>
   <p:notesSz cx="7772400" cy="10058400"/>
@@ -129,6 +128,11 @@
       </a:defRPr>
     </a:lvl9pPr>
   </p:defaultTextStyle>
+  <p:extLst>
+    <p:ext uri="{EFAFB233-063F-42B5-8137-9DF3F51BA10A}">
+      <p15:sldGuideLst xmlns:p15="http://schemas.microsoft.com/office/powerpoint/2012/main"/>
+    </p:ext>
+  </p:extLst>
 </p:presentation>
 </file>
 
@@ -2287,7 +2291,7 @@
           <a:graphicData uri="http://schemas.openxmlformats.org/presentationml/2006/ole">
             <mc:AlternateContent xmlns:mc="http://schemas.openxmlformats.org/markup-compatibility/2006">
               <mc:Choice xmlns:v="urn:schemas-microsoft-com:vml" Requires="v">
-                <p:oleObj spid="_x0000_s1032" r:id="rId3" imgW="0" imgH="0" progId="Word.Document.12">
+                <p:oleObj spid="_x0000_s1033" r:id="rId3" imgW="0" imgH="0" progId="Word.Document.12">
                   <p:embed/>
                 </p:oleObj>
               </mc:Choice>
@@ -2366,7 +2370,7 @@
       </p:grpSpPr>
       <p:sp>
         <p:nvSpPr>
-          <p:cNvPr id="143" name="CustomShape 1"/>
+          <p:cNvPr id="146" name="CustomShape 1"/>
           <p:cNvSpPr/>
           <p:nvPr/>
         </p:nvSpPr>
@@ -2414,7 +2418,7 @@
                 <a:latin typeface="Consolas"/>
                 <a:ea typeface="Roboto"/>
               </a:rPr>
-              <a:t>Comparing:</a:t>
+              <a:t>Aggregating:</a:t>
             </a:r>
             <a:endParaRPr lang="en-US" sz="1600" b="0" strike="noStrike" spc="-1">
               <a:latin typeface="Arial"/>
@@ -2434,67 +2438,17 @@
                 <a:latin typeface="Consolas"/>
                 <a:ea typeface="Roboto"/>
               </a:rPr>
-              <a:t>In the compare section, all the tokens from one sequence, with their corresponding weights are compared with a token in the other sequence.</a:t>
+              <a:t>The final step performed by the decomposable attention model is aggregating the information obtained from the comparison step. The information in the comparison vectors is aggregated through a summation operation. The summed-up results are now fed into a multi-layer perceptron H and are mapped to the number of outputs - Entailment, Contradiction and Neutral. Below are learnable parameters:</a:t>
             </a:r>
             <a:endParaRPr lang="en-US" sz="1600" b="0" strike="noStrike" spc="-1">
               <a:latin typeface="Arial"/>
             </a:endParaRPr>
           </a:p>
-          <a:p>
-            <a:pPr>
-              <a:lnSpc>
-                <a:spcPct val="100000"/>
-              </a:lnSpc>
-            </a:pPr>
-            <a:endParaRPr lang="en-US" sz="1600" b="0" strike="noStrike" spc="-1">
-              <a:latin typeface="Arial"/>
-            </a:endParaRPr>
-          </a:p>
-          <a:p>
-            <a:pPr>
-              <a:lnSpc>
-                <a:spcPct val="100000"/>
-              </a:lnSpc>
-            </a:pPr>
-            <a:endParaRPr lang="en-US" sz="1600" b="0" strike="noStrike" spc="-1">
-              <a:latin typeface="Arial"/>
-            </a:endParaRPr>
-          </a:p>
-          <a:p>
-            <a:pPr>
-              <a:lnSpc>
-                <a:spcPct val="100000"/>
-              </a:lnSpc>
-            </a:pPr>
-            <a:endParaRPr lang="en-US" sz="1600" b="0" strike="noStrike" spc="-1">
-              <a:latin typeface="Arial"/>
-            </a:endParaRPr>
-          </a:p>
-          <a:p>
-            <a:pPr>
-              <a:lnSpc>
-                <a:spcPct val="100000"/>
-              </a:lnSpc>
-            </a:pPr>
-            <a:r>
-              <a:rPr lang="en-US" sz="1600" b="0" strike="noStrike" spc="-1">
-                <a:solidFill>
-                  <a:srgbClr val="003057"/>
-                </a:solidFill>
-                <a:latin typeface="Consolas"/>
-                <a:ea typeface="Roboto"/>
-              </a:rPr>
-              <a:t>The representation is the concatenation of premise token pi and the softly aligned weight representation for that token Φi . A similar operation is performed for the hypothesis as well. As the concatenation operation is performed along the embedding dimension, the multi-layer perceptron G maps input dimension equal to twice the embedding dimension, to the number of hidden units.</a:t>
-            </a:r>
-            <a:endParaRPr lang="en-US" sz="1600" b="0" strike="noStrike" spc="-1">
-              <a:latin typeface="Arial"/>
-            </a:endParaRPr>
-          </a:p>
-        </p:txBody>
-      </p:sp>
-      <p:sp>
-        <p:nvSpPr>
-          <p:cNvPr id="144" name="CustomShape 2"/>
+        </p:txBody>
+      </p:sp>
+      <p:sp>
+        <p:nvSpPr>
+          <p:cNvPr id="147" name="CustomShape 2"/>
           <p:cNvSpPr/>
           <p:nvPr/>
         </p:nvSpPr>
@@ -2552,7 +2506,7 @@
       </p:sp>
       <p:pic>
         <p:nvPicPr>
-          <p:cNvPr id="145" name="Picture 144"/>
+          <p:cNvPr id="148" name="Picture 147"/>
           <p:cNvPicPr/>
           <p:nvPr/>
         </p:nvPicPr>
@@ -2562,8 +2516,8 @@
         </p:blipFill>
         <p:spPr>
           <a:xfrm>
-            <a:off x="2545920" y="2377440"/>
-            <a:ext cx="2665800" cy="866160"/>
+            <a:off x="1652400" y="2998800"/>
+            <a:ext cx="1913400" cy="1847160"/>
           </a:xfrm>
           <a:prstGeom prst="rect">
             <a:avLst/>
@@ -2616,13 +2570,13 @@
       </p:grpSpPr>
       <p:sp>
         <p:nvSpPr>
-          <p:cNvPr id="146" name="CustomShape 1"/>
+          <p:cNvPr id="149" name="CustomShape 1"/>
           <p:cNvSpPr/>
           <p:nvPr/>
         </p:nvSpPr>
         <p:spPr>
           <a:xfrm>
-            <a:off x="380880" y="1280160"/>
+            <a:off x="274680" y="1215360"/>
             <a:ext cx="11429280" cy="4224960"/>
           </a:xfrm>
           <a:prstGeom prst="rect">
@@ -2664,7 +2618,7 @@
                 <a:latin typeface="Consolas"/>
                 <a:ea typeface="Roboto"/>
               </a:rPr>
-              <a:t>Aggregating:</a:t>
+              <a:t>Focal Loss:</a:t>
             </a:r>
             <a:endParaRPr lang="en-US" sz="1600" b="0" strike="noStrike" spc="-1">
               <a:latin typeface="Arial"/>
@@ -2682,19 +2636,179 @@
                   <a:srgbClr val="003057"/>
                 </a:solidFill>
                 <a:latin typeface="Consolas"/>
-                <a:ea typeface="Roboto"/>
-              </a:rPr>
-              <a:t>The final step performed by the decomposable attention model is aggregating the information obtained from the comparison step. The information in the comparison vectors is aggregated through a summation operation. The summed-up results are now fed into a multi-layer perceptron H and are mapped to the number of outputs - Entailment, Contradiction and Neutral. Below are learnable parameters:</a:t>
+                <a:ea typeface="NimbusRomNo9L-Regu"/>
+              </a:rPr>
+              <a:t>While training the decomposable attention model, we use focal loss as there exists class imbalance among the 3 classes - Entailment, Contradiction and Neutral.</a:t>
             </a:r>
             <a:endParaRPr lang="en-US" sz="1600" b="0" strike="noStrike" spc="-1">
               <a:latin typeface="Arial"/>
             </a:endParaRPr>
           </a:p>
-        </p:txBody>
-      </p:sp>
-      <p:sp>
-        <p:nvSpPr>
-          <p:cNvPr id="147" name="CustomShape 2"/>
+          <a:p>
+            <a:pPr>
+              <a:lnSpc>
+                <a:spcPct val="100000"/>
+              </a:lnSpc>
+            </a:pPr>
+            <a:endParaRPr lang="en-US" sz="1600" b="0" strike="noStrike" spc="-1">
+              <a:latin typeface="Arial"/>
+            </a:endParaRPr>
+          </a:p>
+          <a:p>
+            <a:pPr>
+              <a:lnSpc>
+                <a:spcPct val="100000"/>
+              </a:lnSpc>
+            </a:pPr>
+            <a:endParaRPr lang="en-US" sz="1600" b="0" strike="noStrike" spc="-1">
+              <a:latin typeface="Arial"/>
+            </a:endParaRPr>
+          </a:p>
+          <a:p>
+            <a:pPr>
+              <a:lnSpc>
+                <a:spcPct val="100000"/>
+              </a:lnSpc>
+            </a:pPr>
+            <a:r>
+              <a:rPr lang="en-US" sz="1600" b="0" strike="noStrike" spc="-1">
+                <a:solidFill>
+                  <a:srgbClr val="003057"/>
+                </a:solidFill>
+                <a:latin typeface="Consolas"/>
+                <a:ea typeface="NimbusRomNo9L-Regu"/>
+              </a:rPr>
+              <a:t>The </a:t>
+            </a:r>
+            <a:r>
+              <a:rPr lang="en-US" sz="1600" b="0" strike="noStrike" spc="-1">
+                <a:solidFill>
+                  <a:srgbClr val="003057"/>
+                </a:solidFill>
+                <a:latin typeface="Consolas"/>
+                <a:ea typeface="CMMI10"/>
+              </a:rPr>
+              <a:t>β </a:t>
+            </a:r>
+            <a:r>
+              <a:rPr lang="en-US" sz="1600" b="0" strike="noStrike" spc="-1">
+                <a:solidFill>
+                  <a:srgbClr val="003057"/>
+                </a:solidFill>
+                <a:latin typeface="Consolas"/>
+                <a:ea typeface="NimbusRomNo9L-Regu"/>
+              </a:rPr>
+              <a:t>hyper-parameter can be tuned to perform reweighting. When </a:t>
+            </a:r>
+            <a:r>
+              <a:rPr lang="en-US" sz="1600" b="0" strike="noStrike" spc="-1">
+                <a:solidFill>
+                  <a:srgbClr val="003057"/>
+                </a:solidFill>
+                <a:latin typeface="Consolas"/>
+                <a:ea typeface="CMMI10"/>
+              </a:rPr>
+              <a:t>p</a:t>
+            </a:r>
+            <a:r>
+              <a:rPr lang="en-US" sz="1600" b="0" strike="noStrike" spc="-1">
+                <a:solidFill>
+                  <a:srgbClr val="003057"/>
+                </a:solidFill>
+                <a:latin typeface="Consolas"/>
+                <a:ea typeface="CMMI7"/>
+              </a:rPr>
+              <a:t>t </a:t>
+            </a:r>
+            <a:r>
+              <a:rPr lang="en-US" sz="1600" b="0" strike="noStrike" spc="-1">
+                <a:solidFill>
+                  <a:srgbClr val="003057"/>
+                </a:solidFill>
+                <a:latin typeface="Consolas"/>
+                <a:ea typeface="NimbusRomNo9L-Regu"/>
+              </a:rPr>
+              <a:t>is small and consequently, </a:t>
+            </a:r>
+            <a:r>
+              <a:rPr lang="en-US" sz="1600" b="0" strike="noStrike" spc="-1">
+                <a:solidFill>
+                  <a:srgbClr val="003057"/>
+                </a:solidFill>
+                <a:latin typeface="Consolas"/>
+                <a:ea typeface="CMR10"/>
+              </a:rPr>
+              <a:t>(1 </a:t>
+            </a:r>
+            <a:r>
+              <a:rPr lang="en-US" sz="1600" b="0" strike="noStrike" spc="-1">
+                <a:solidFill>
+                  <a:srgbClr val="003057"/>
+                </a:solidFill>
+                <a:latin typeface="Consolas"/>
+                <a:ea typeface="CMSY10"/>
+              </a:rPr>
+              <a:t>− </a:t>
+            </a:r>
+            <a:r>
+              <a:rPr lang="en-US" sz="1600" b="0" strike="noStrike" spc="-1">
+                <a:solidFill>
+                  <a:srgbClr val="003057"/>
+                </a:solidFill>
+                <a:latin typeface="Consolas"/>
+                <a:ea typeface="CMMI10"/>
+              </a:rPr>
+              <a:t>p</a:t>
+            </a:r>
+            <a:r>
+              <a:rPr lang="en-US" sz="1600" b="0" strike="noStrike" spc="-1">
+                <a:solidFill>
+                  <a:srgbClr val="003057"/>
+                </a:solidFill>
+                <a:latin typeface="Consolas"/>
+                <a:ea typeface="CMMI7"/>
+              </a:rPr>
+              <a:t>t</a:t>
+            </a:r>
+            <a:r>
+              <a:rPr lang="en-US" sz="1600" b="0" strike="noStrike" spc="-1">
+                <a:solidFill>
+                  <a:srgbClr val="003057"/>
+                </a:solidFill>
+                <a:latin typeface="Consolas"/>
+                <a:ea typeface="CMR10"/>
+              </a:rPr>
+              <a:t>)</a:t>
+            </a:r>
+            <a:r>
+              <a:rPr lang="en-US" sz="1600" b="0" strike="noStrike" spc="-1">
+                <a:solidFill>
+                  <a:srgbClr val="003057"/>
+                </a:solidFill>
+                <a:latin typeface="Consolas"/>
+                <a:ea typeface="CMMI7"/>
+              </a:rPr>
+              <a:t>γ </a:t>
+            </a:r>
+            <a:r>
+              <a:rPr lang="en-US" sz="1600" b="0" strike="noStrike" spc="-1">
+                <a:solidFill>
+                  <a:srgbClr val="003057"/>
+                </a:solidFill>
+                <a:latin typeface="Consolas"/>
+                <a:ea typeface="NimbusRomNo9L-Regu"/>
+              </a:rPr>
+              <a:t>is close to 1, then Focal loss becomes classic cross entropy, and would result in incorrect classification by the model. As the model adjusts its weights, Focal Loss scales down the contribution of easy examples during training and instead focuses on the harder examples, resulting in an improvement in prediction accuracy for the minor classes.</a:t>
+            </a:r>
+            <a:endParaRPr lang="en-US" sz="1600" b="0" strike="noStrike" spc="-1">
+              <a:latin typeface="Arial"/>
+            </a:endParaRPr>
+          </a:p>
+        </p:txBody>
+      </p:sp>
+      <p:sp>
+        <p:nvSpPr>
+          <p:cNvPr id="150" name="CustomShape 2"/>
           <p:cNvSpPr/>
           <p:nvPr/>
         </p:nvSpPr>
@@ -2752,7 +2866,7 @@
       </p:sp>
       <p:pic>
         <p:nvPicPr>
-          <p:cNvPr id="148" name="Picture 147"/>
+          <p:cNvPr id="151" name="Picture 150"/>
           <p:cNvPicPr/>
           <p:nvPr/>
         </p:nvPicPr>
@@ -2762,8 +2876,8 @@
         </p:blipFill>
         <p:spPr>
           <a:xfrm>
-            <a:off x="1652400" y="2998800"/>
-            <a:ext cx="1913400" cy="1847160"/>
+            <a:off x="1645920" y="2286000"/>
+            <a:ext cx="4056120" cy="599400"/>
           </a:xfrm>
           <a:prstGeom prst="rect">
             <a:avLst/>
@@ -2816,14 +2930,14 @@
       </p:grpSpPr>
       <p:sp>
         <p:nvSpPr>
-          <p:cNvPr id="149" name="CustomShape 1"/>
+          <p:cNvPr id="152" name="CustomShape 1"/>
           <p:cNvSpPr/>
           <p:nvPr/>
         </p:nvSpPr>
         <p:spPr>
           <a:xfrm>
-            <a:off x="274680" y="1215360"/>
-            <a:ext cx="11429280" cy="4224960"/>
+            <a:off x="380880" y="200880"/>
+            <a:ext cx="11429280" cy="1014120"/>
           </a:xfrm>
           <a:prstGeom prst="rect">
             <a:avLst/>
@@ -2846,244 +2960,6 @@
           <a:fontRef idx="minor"/>
         </p:style>
         <p:txBody>
-          <a:bodyPr lIns="90000" tIns="45000" rIns="90000" bIns="45000">
-            <a:noAutofit/>
-          </a:bodyPr>
-          <a:lstStyle/>
-          <a:p>
-            <a:pPr>
-              <a:lnSpc>
-                <a:spcPct val="100000"/>
-              </a:lnSpc>
-            </a:pPr>
-            <a:r>
-              <a:rPr lang="en-US" sz="1600" b="0" strike="noStrike" spc="-1">
-                <a:solidFill>
-                  <a:srgbClr val="003057"/>
-                </a:solidFill>
-                <a:latin typeface="Consolas"/>
-                <a:ea typeface="Roboto"/>
-              </a:rPr>
-              <a:t>Focal Loss:</a:t>
-            </a:r>
-            <a:endParaRPr lang="en-US" sz="1600" b="0" strike="noStrike" spc="-1">
-              <a:latin typeface="Arial"/>
-            </a:endParaRPr>
-          </a:p>
-          <a:p>
-            <a:pPr>
-              <a:lnSpc>
-                <a:spcPct val="100000"/>
-              </a:lnSpc>
-            </a:pPr>
-            <a:r>
-              <a:rPr lang="en-US" sz="1600" b="0" strike="noStrike" spc="-1">
-                <a:solidFill>
-                  <a:srgbClr val="003057"/>
-                </a:solidFill>
-                <a:latin typeface="Consolas"/>
-                <a:ea typeface="NimbusRomNo9L-Regu"/>
-              </a:rPr>
-              <a:t>While training the decomposable attention model, we use focal loss as there exists class imbalance among the 3 classes - Entailment, Contradiction and Neutral.</a:t>
-            </a:r>
-            <a:endParaRPr lang="en-US" sz="1600" b="0" strike="noStrike" spc="-1">
-              <a:latin typeface="Arial"/>
-            </a:endParaRPr>
-          </a:p>
-          <a:p>
-            <a:pPr>
-              <a:lnSpc>
-                <a:spcPct val="100000"/>
-              </a:lnSpc>
-            </a:pPr>
-            <a:endParaRPr lang="en-US" sz="1600" b="0" strike="noStrike" spc="-1">
-              <a:latin typeface="Arial"/>
-            </a:endParaRPr>
-          </a:p>
-          <a:p>
-            <a:pPr>
-              <a:lnSpc>
-                <a:spcPct val="100000"/>
-              </a:lnSpc>
-            </a:pPr>
-            <a:endParaRPr lang="en-US" sz="1600" b="0" strike="noStrike" spc="-1">
-              <a:latin typeface="Arial"/>
-            </a:endParaRPr>
-          </a:p>
-          <a:p>
-            <a:pPr>
-              <a:lnSpc>
-                <a:spcPct val="100000"/>
-              </a:lnSpc>
-            </a:pPr>
-            <a:r>
-              <a:rPr lang="en-US" sz="1600" b="0" strike="noStrike" spc="-1">
-                <a:solidFill>
-                  <a:srgbClr val="003057"/>
-                </a:solidFill>
-                <a:latin typeface="Consolas"/>
-                <a:ea typeface="NimbusRomNo9L-Regu"/>
-              </a:rPr>
-              <a:t>The </a:t>
-            </a:r>
-            <a:r>
-              <a:rPr lang="en-US" sz="1600" b="0" strike="noStrike" spc="-1">
-                <a:solidFill>
-                  <a:srgbClr val="003057"/>
-                </a:solidFill>
-                <a:latin typeface="Consolas"/>
-                <a:ea typeface="CMMI10"/>
-              </a:rPr>
-              <a:t>β </a:t>
-            </a:r>
-            <a:r>
-              <a:rPr lang="en-US" sz="1600" b="0" strike="noStrike" spc="-1">
-                <a:solidFill>
-                  <a:srgbClr val="003057"/>
-                </a:solidFill>
-                <a:latin typeface="Consolas"/>
-                <a:ea typeface="NimbusRomNo9L-Regu"/>
-              </a:rPr>
-              <a:t>hyper-parameter can be tuned to perform reweighting. When </a:t>
-            </a:r>
-            <a:r>
-              <a:rPr lang="en-US" sz="1600" b="0" strike="noStrike" spc="-1">
-                <a:solidFill>
-                  <a:srgbClr val="003057"/>
-                </a:solidFill>
-                <a:latin typeface="Consolas"/>
-                <a:ea typeface="CMMI10"/>
-              </a:rPr>
-              <a:t>p</a:t>
-            </a:r>
-            <a:r>
-              <a:rPr lang="en-US" sz="1600" b="0" strike="noStrike" spc="-1">
-                <a:solidFill>
-                  <a:srgbClr val="003057"/>
-                </a:solidFill>
-                <a:latin typeface="Consolas"/>
-                <a:ea typeface="CMMI7"/>
-              </a:rPr>
-              <a:t>t </a:t>
-            </a:r>
-            <a:r>
-              <a:rPr lang="en-US" sz="1600" b="0" strike="noStrike" spc="-1">
-                <a:solidFill>
-                  <a:srgbClr val="003057"/>
-                </a:solidFill>
-                <a:latin typeface="Consolas"/>
-                <a:ea typeface="NimbusRomNo9L-Regu"/>
-              </a:rPr>
-              <a:t>is small and consequently, </a:t>
-            </a:r>
-            <a:r>
-              <a:rPr lang="en-US" sz="1600" b="0" strike="noStrike" spc="-1">
-                <a:solidFill>
-                  <a:srgbClr val="003057"/>
-                </a:solidFill>
-                <a:latin typeface="Consolas"/>
-                <a:ea typeface="CMR10"/>
-              </a:rPr>
-              <a:t>(1 </a:t>
-            </a:r>
-            <a:r>
-              <a:rPr lang="en-US" sz="1600" b="0" strike="noStrike" spc="-1">
-                <a:solidFill>
-                  <a:srgbClr val="003057"/>
-                </a:solidFill>
-                <a:latin typeface="Consolas"/>
-                <a:ea typeface="CMSY10"/>
-              </a:rPr>
-              <a:t>− </a:t>
-            </a:r>
-            <a:r>
-              <a:rPr lang="en-US" sz="1600" b="0" strike="noStrike" spc="-1">
-                <a:solidFill>
-                  <a:srgbClr val="003057"/>
-                </a:solidFill>
-                <a:latin typeface="Consolas"/>
-                <a:ea typeface="CMMI10"/>
-              </a:rPr>
-              <a:t>p</a:t>
-            </a:r>
-            <a:r>
-              <a:rPr lang="en-US" sz="1600" b="0" strike="noStrike" spc="-1">
-                <a:solidFill>
-                  <a:srgbClr val="003057"/>
-                </a:solidFill>
-                <a:latin typeface="Consolas"/>
-                <a:ea typeface="CMMI7"/>
-              </a:rPr>
-              <a:t>t</a:t>
-            </a:r>
-            <a:r>
-              <a:rPr lang="en-US" sz="1600" b="0" strike="noStrike" spc="-1">
-                <a:solidFill>
-                  <a:srgbClr val="003057"/>
-                </a:solidFill>
-                <a:latin typeface="Consolas"/>
-                <a:ea typeface="CMR10"/>
-              </a:rPr>
-              <a:t>)</a:t>
-            </a:r>
-            <a:r>
-              <a:rPr lang="en-US" sz="1600" b="0" strike="noStrike" spc="-1">
-                <a:solidFill>
-                  <a:srgbClr val="003057"/>
-                </a:solidFill>
-                <a:latin typeface="Consolas"/>
-                <a:ea typeface="CMMI7"/>
-              </a:rPr>
-              <a:t>γ </a:t>
-            </a:r>
-            <a:r>
-              <a:rPr lang="en-US" sz="1600" b="0" strike="noStrike" spc="-1">
-                <a:solidFill>
-                  <a:srgbClr val="003057"/>
-                </a:solidFill>
-                <a:latin typeface="Consolas"/>
-                <a:ea typeface="NimbusRomNo9L-Regu"/>
-              </a:rPr>
-              <a:t>is close to 1, then Focal loss becomes classic cross entropy, and would result in incorrect classification by the model. As the model adjusts its weights, Focal Loss scales down the contribution of easy examples during training and instead focuses on the harder examples, resulting in an improvement in prediction accuracy for the minor classes.</a:t>
-            </a:r>
-            <a:endParaRPr lang="en-US" sz="1600" b="0" strike="noStrike" spc="-1">
-              <a:latin typeface="Arial"/>
-            </a:endParaRPr>
-          </a:p>
-        </p:txBody>
-      </p:sp>
-      <p:sp>
-        <p:nvSpPr>
-          <p:cNvPr id="150" name="CustomShape 2"/>
-          <p:cNvSpPr/>
-          <p:nvPr/>
-        </p:nvSpPr>
-        <p:spPr>
-          <a:xfrm>
-            <a:off x="380880" y="200880"/>
-            <a:ext cx="11429280" cy="1014120"/>
-          </a:xfrm>
-          <a:prstGeom prst="rect">
-            <a:avLst/>
-          </a:prstGeom>
-          <a:noFill/>
-          <a:ln>
-            <a:noFill/>
-          </a:ln>
-        </p:spPr>
-        <p:style>
-          <a:lnRef idx="0">
-            <a:scrgbClr r="0" g="0" b="0"/>
-          </a:lnRef>
-          <a:fillRef idx="0">
-            <a:scrgbClr r="0" g="0" b="0"/>
-          </a:fillRef>
-          <a:effectRef idx="0">
-            <a:scrgbClr r="0" g="0" b="0"/>
-          </a:effectRef>
-          <a:fontRef idx="minor"/>
-        </p:style>
-        <p:txBody>
           <a:bodyPr lIns="90000" tIns="45000" rIns="90000" bIns="45000" anchor="ctr">
             <a:noAutofit/>
           </a:bodyPr>
@@ -3102,7 +2978,7 @@
                 <a:latin typeface="Consolas"/>
                 <a:ea typeface="Roboto"/>
               </a:rPr>
-              <a:t>2. Model Building</a:t>
+              <a:t>3. Model Evaluation</a:t>
             </a:r>
             <a:endParaRPr lang="en-US" sz="3600" b="0" strike="noStrike" spc="-1">
               <a:latin typeface="Arial"/>
@@ -3112,7 +2988,7 @@
       </p:sp>
       <p:pic>
         <p:nvPicPr>
-          <p:cNvPr id="151" name="Picture 150"/>
+          <p:cNvPr id="153" name="Picture 152"/>
           <p:cNvPicPr/>
           <p:nvPr/>
         </p:nvPicPr>
@@ -3122,8 +2998,54 @@
         </p:blipFill>
         <p:spPr>
           <a:xfrm>
-            <a:off x="1645920" y="2286000"/>
-            <a:ext cx="4056120" cy="599400"/>
+            <a:off x="274680" y="1215360"/>
+            <a:ext cx="11429280" cy="2076120"/>
+          </a:xfrm>
+          <a:prstGeom prst="rect">
+            <a:avLst/>
+          </a:prstGeom>
+          <a:ln>
+            <a:noFill/>
+          </a:ln>
+        </p:spPr>
+      </p:pic>
+      <p:pic>
+        <p:nvPicPr>
+          <p:cNvPr id="154" name="Picture 153"/>
+          <p:cNvPicPr/>
+          <p:nvPr/>
+        </p:nvPicPr>
+        <p:blipFill>
+          <a:blip r:embed="rId3"/>
+          <a:stretch/>
+        </p:blipFill>
+        <p:spPr>
+          <a:xfrm>
+            <a:off x="627840" y="3347640"/>
+            <a:ext cx="10710360" cy="1132560"/>
+          </a:xfrm>
+          <a:prstGeom prst="rect">
+            <a:avLst/>
+          </a:prstGeom>
+          <a:ln>
+            <a:noFill/>
+          </a:ln>
+        </p:spPr>
+      </p:pic>
+      <p:pic>
+        <p:nvPicPr>
+          <p:cNvPr id="155" name="Picture 154"/>
+          <p:cNvPicPr/>
+          <p:nvPr/>
+        </p:nvPicPr>
+        <p:blipFill>
+          <a:blip r:embed="rId4"/>
+          <a:stretch/>
+        </p:blipFill>
+        <p:spPr>
+          <a:xfrm>
+            <a:off x="548640" y="4572000"/>
+            <a:ext cx="10789560" cy="1056600"/>
           </a:xfrm>
           <a:prstGeom prst="rect">
             <a:avLst/>
@@ -3176,7 +3098,7 @@
       </p:grpSpPr>
       <p:sp>
         <p:nvSpPr>
-          <p:cNvPr id="152" name="CustomShape 1"/>
+          <p:cNvPr id="156" name="CustomShape 1"/>
           <p:cNvSpPr/>
           <p:nvPr/>
         </p:nvSpPr>
@@ -3224,7 +3146,7 @@
                 <a:latin typeface="Consolas"/>
                 <a:ea typeface="Roboto"/>
               </a:rPr>
-              <a:t>3. Model Evaluation</a:t>
+              <a:t>3. Evaluation and Hyper-parameters selection</a:t>
             </a:r>
             <a:endParaRPr lang="en-US" sz="3600" b="0" strike="noStrike" spc="-1">
               <a:latin typeface="Arial"/>
@@ -3234,7 +3156,7 @@
       </p:sp>
       <p:pic>
         <p:nvPicPr>
-          <p:cNvPr id="153" name="Picture 152"/>
+          <p:cNvPr id="157" name="Picture 156"/>
           <p:cNvPicPr/>
           <p:nvPr/>
         </p:nvPicPr>
@@ -3257,7 +3179,7 @@
       </p:pic>
       <p:pic>
         <p:nvPicPr>
-          <p:cNvPr id="154" name="Picture 153"/>
+          <p:cNvPr id="158" name="Picture 157"/>
           <p:cNvPicPr/>
           <p:nvPr/>
         </p:nvPicPr>
@@ -3280,7 +3202,7 @@
       </p:pic>
       <p:pic>
         <p:nvPicPr>
-          <p:cNvPr id="155" name="Picture 154"/>
+          <p:cNvPr id="159" name="Picture 158"/>
           <p:cNvPicPr/>
           <p:nvPr/>
         </p:nvPicPr>
@@ -3344,7 +3266,7 @@
       </p:grpSpPr>
       <p:sp>
         <p:nvSpPr>
-          <p:cNvPr id="156" name="CustomShape 1"/>
+          <p:cNvPr id="160" name="CustomShape 1"/>
           <p:cNvSpPr/>
           <p:nvPr/>
         </p:nvSpPr>
@@ -3392,9 +3314,77 @@
                 <a:latin typeface="Consolas"/>
                 <a:ea typeface="Roboto"/>
               </a:rPr>
-              <a:t>3. Evaluation and Hyper-parameters selection</a:t>
+              <a:t>4. Architecture Component Breakdown (Productionizing model)</a:t>
             </a:r>
             <a:endParaRPr lang="en-US" sz="3600" b="0" strike="noStrike" spc="-1">
+              <a:latin typeface="Arial"/>
+            </a:endParaRPr>
+          </a:p>
+        </p:txBody>
+      </p:sp>
+      <p:sp>
+        <p:nvSpPr>
+          <p:cNvPr id="161" name="CustomShape 2"/>
+          <p:cNvSpPr/>
+          <p:nvPr/>
+        </p:nvSpPr>
+        <p:spPr>
+          <a:xfrm>
+            <a:off x="380880" y="1215360"/>
+            <a:ext cx="11429280" cy="4224960"/>
+          </a:xfrm>
+          <a:prstGeom prst="rect">
+            <a:avLst/>
+          </a:prstGeom>
+          <a:noFill/>
+          <a:ln>
+            <a:noFill/>
+          </a:ln>
+        </p:spPr>
+        <p:style>
+          <a:lnRef idx="0">
+            <a:scrgbClr r="0" g="0" b="0"/>
+          </a:lnRef>
+          <a:fillRef idx="0">
+            <a:scrgbClr r="0" g="0" b="0"/>
+          </a:fillRef>
+          <a:effectRef idx="0">
+            <a:scrgbClr r="0" g="0" b="0"/>
+          </a:effectRef>
+          <a:fontRef idx="minor"/>
+        </p:style>
+        <p:txBody>
+          <a:bodyPr lIns="0" tIns="0" rIns="0" bIns="0">
+            <a:normAutofit/>
+          </a:bodyPr>
+          <a:lstStyle/>
+          <a:p>
+            <a:pPr>
+              <a:lnSpc>
+                <a:spcPct val="100000"/>
+              </a:lnSpc>
+            </a:pPr>
+            <a:endParaRPr lang="en-US" sz="1800" b="0" strike="noStrike" spc="-1">
+              <a:latin typeface="Arial"/>
+            </a:endParaRPr>
+          </a:p>
+          <a:p>
+            <a:pPr>
+              <a:lnSpc>
+                <a:spcPct val="100000"/>
+              </a:lnSpc>
+            </a:pPr>
+            <a:r>
+              <a:rPr lang="en-US" sz="1600" b="0" strike="noStrike" spc="-1">
+                <a:solidFill>
+                  <a:srgbClr val="003057"/>
+                </a:solidFill>
+                <a:latin typeface="Consolas"/>
+                <a:ea typeface="Roboto"/>
+              </a:rPr>
+              <a:t>Next our goal is building the below architecture by creating model package, web api and CI/CD pipelines for package and api. Below is architecture breakdown</a:t>
+            </a:r>
+            <a:endParaRPr lang="en-US" sz="1600" b="0" strike="noStrike" spc="-1">
               <a:latin typeface="Arial"/>
             </a:endParaRPr>
           </a:p>
@@ -3402,7 +3392,7 @@
       </p:sp>
       <p:pic>
         <p:nvPicPr>
-          <p:cNvPr id="157" name="Picture 156"/>
+          <p:cNvPr id="162" name="Picture 161"/>
           <p:cNvPicPr/>
           <p:nvPr/>
         </p:nvPicPr>
@@ -3412,54 +3402,8 @@
         </p:blipFill>
         <p:spPr>
           <a:xfrm>
-            <a:off x="274680" y="1215360"/>
-            <a:ext cx="11429280" cy="2076120"/>
-          </a:xfrm>
-          <a:prstGeom prst="rect">
-            <a:avLst/>
-          </a:prstGeom>
-          <a:ln>
-            <a:noFill/>
-          </a:ln>
-        </p:spPr>
-      </p:pic>
-      <p:pic>
-        <p:nvPicPr>
-          <p:cNvPr id="158" name="Picture 157"/>
-          <p:cNvPicPr/>
-          <p:nvPr/>
-        </p:nvPicPr>
-        <p:blipFill>
-          <a:blip r:embed="rId3"/>
-          <a:stretch/>
-        </p:blipFill>
-        <p:spPr>
-          <a:xfrm>
-            <a:off x="627840" y="3347640"/>
-            <a:ext cx="10710360" cy="1132560"/>
-          </a:xfrm>
-          <a:prstGeom prst="rect">
-            <a:avLst/>
-          </a:prstGeom>
-          <a:ln>
-            <a:noFill/>
-          </a:ln>
-        </p:spPr>
-      </p:pic>
-      <p:pic>
-        <p:nvPicPr>
-          <p:cNvPr id="159" name="Picture 158"/>
-          <p:cNvPicPr/>
-          <p:nvPr/>
-        </p:nvPicPr>
-        <p:blipFill>
-          <a:blip r:embed="rId4"/>
-          <a:stretch/>
-        </p:blipFill>
-        <p:spPr>
-          <a:xfrm>
-            <a:off x="548640" y="4572000"/>
-            <a:ext cx="10789560" cy="1056600"/>
+            <a:off x="822960" y="2286000"/>
+            <a:ext cx="9052200" cy="4480200"/>
           </a:xfrm>
           <a:prstGeom prst="rect">
             <a:avLst/>
@@ -3512,13 +3456,13 @@
       </p:grpSpPr>
       <p:sp>
         <p:nvSpPr>
-          <p:cNvPr id="160" name="CustomShape 1"/>
+          <p:cNvPr id="163" name="CustomShape 1"/>
           <p:cNvSpPr/>
           <p:nvPr/>
         </p:nvSpPr>
         <p:spPr>
           <a:xfrm>
-            <a:off x="380880" y="200880"/>
+            <a:off x="391320" y="200880"/>
             <a:ext cx="11429280" cy="1014120"/>
           </a:xfrm>
           <a:prstGeom prst="rect">
@@ -3560,7 +3504,7 @@
                 <a:latin typeface="Consolas"/>
                 <a:ea typeface="Roboto"/>
               </a:rPr>
-              <a:t>4. Architecture Component Breakdown (Productionizing model)</a:t>
+              <a:t>4. Production Model Package</a:t>
             </a:r>
             <a:endParaRPr lang="en-US" sz="3600" b="0" strike="noStrike" spc="-1">
               <a:latin typeface="Arial"/>
@@ -3570,7 +3514,7 @@
       </p:sp>
       <p:sp>
         <p:nvSpPr>
-          <p:cNvPr id="161" name="CustomShape 2"/>
+          <p:cNvPr id="164" name="CustomShape 2"/>
           <p:cNvSpPr/>
           <p:nvPr/>
         </p:nvSpPr>
@@ -3628,7 +3572,7 @@
                 <a:latin typeface="Consolas"/>
                 <a:ea typeface="Roboto"/>
               </a:rPr>
-              <a:t>Next our goal is building the below architecture by creating model package, web api and CI/CD pipelines for package and api. Below is architecture breakdown</a:t>
+              <a:t>Continuing with project, next steps were to write production code designed to be deployed to end user. I continued to focus on Testability, Maintainability, Scalability, Performance and Reproducibility. Below is the package structure created breaking down research code into separation of concern components, meaning each module has single responsibility in doing its job. So config package, will only contain modules used for configuration. Testing package will only contain modules designed for testing. NOTE, company code has lot more unit tests and ensemble of models with various hyperparameters.</a:t>
             </a:r>
             <a:endParaRPr lang="en-US" sz="1600" b="0" strike="noStrike" spc="-1">
               <a:latin typeface="Arial"/>
@@ -3636,29 +3580,6 @@
           </a:p>
         </p:txBody>
       </p:sp>
-      <p:pic>
-        <p:nvPicPr>
-          <p:cNvPr id="162" name="Picture 161"/>
-          <p:cNvPicPr/>
-          <p:nvPr/>
-        </p:nvPicPr>
-        <p:blipFill>
-          <a:blip r:embed="rId2"/>
-          <a:stretch/>
-        </p:blipFill>
-        <p:spPr>
-          <a:xfrm>
-            <a:off x="822960" y="2286000"/>
-            <a:ext cx="9052200" cy="4480200"/>
-          </a:xfrm>
-          <a:prstGeom prst="rect">
-            <a:avLst/>
-          </a:prstGeom>
-          <a:ln>
-            <a:noFill/>
-          </a:ln>
-        </p:spPr>
-      </p:pic>
     </p:spTree>
   </p:cSld>
   <p:clrMapOvr>
@@ -3702,7 +3623,7 @@
       </p:grpSpPr>
       <p:sp>
         <p:nvSpPr>
-          <p:cNvPr id="163" name="CustomShape 1"/>
+          <p:cNvPr id="165" name="CustomShape 1"/>
           <p:cNvSpPr/>
           <p:nvPr/>
         </p:nvSpPr>
@@ -3750,7 +3671,7 @@
                 <a:latin typeface="Consolas"/>
                 <a:ea typeface="Roboto"/>
               </a:rPr>
-              <a:t>4. Production Model Package</a:t>
+              <a:t>4. Production Model Package Structure</a:t>
             </a:r>
             <a:endParaRPr lang="en-US" sz="3600" b="0" strike="noStrike" spc="-1">
               <a:latin typeface="Arial"/>
@@ -3760,7 +3681,7 @@
       </p:sp>
       <p:sp>
         <p:nvSpPr>
-          <p:cNvPr id="164" name="CustomShape 2"/>
+          <p:cNvPr id="166" name="CustomShape 2"/>
           <p:cNvSpPr/>
           <p:nvPr/>
         </p:nvSpPr>
@@ -3810,22 +3731,35 @@
                 <a:spcPct val="100000"/>
               </a:lnSpc>
             </a:pPr>
-            <a:r>
-              <a:rPr lang="en-US" sz="1600" b="0" strike="noStrike" spc="-1">
-                <a:solidFill>
-                  <a:srgbClr val="003057"/>
-                </a:solidFill>
-                <a:latin typeface="Consolas"/>
-                <a:ea typeface="Roboto"/>
-              </a:rPr>
-              <a:t>Continuing with project, next steps were to write production code designed to be deployed to end user. I continued to focus on Testability, Maintainability, Scalability, Performance and Reproducibility. Below is the package structure created breaking down research code into separation of concern components, meaning each module has single responsibility in doing its job. So config package, will only contain modules used for configuration. Testing package will only contain modules designed for testing. NOTE, company code has lot more unit tests and ensemble of models with various hyperparameters.</a:t>
-            </a:r>
-            <a:endParaRPr lang="en-US" sz="1600" b="0" strike="noStrike" spc="-1">
-              <a:latin typeface="Arial"/>
-            </a:endParaRPr>
-          </a:p>
-        </p:txBody>
-      </p:sp>
+            <a:endParaRPr lang="en-US" sz="1800" b="0" strike="noStrike" spc="-1">
+              <a:latin typeface="Arial"/>
+            </a:endParaRPr>
+          </a:p>
+        </p:txBody>
+      </p:sp>
+      <p:pic>
+        <p:nvPicPr>
+          <p:cNvPr id="167" name="Picture 166"/>
+          <p:cNvPicPr/>
+          <p:nvPr/>
+        </p:nvPicPr>
+        <p:blipFill>
+          <a:blip r:embed="rId2"/>
+          <a:stretch/>
+        </p:blipFill>
+        <p:spPr>
+          <a:xfrm>
+            <a:off x="2926080" y="1215360"/>
+            <a:ext cx="3017160" cy="5093640"/>
+          </a:xfrm>
+          <a:prstGeom prst="rect">
+            <a:avLst/>
+          </a:prstGeom>
+          <a:ln>
+            <a:noFill/>
+          </a:ln>
+        </p:spPr>
+      </p:pic>
     </p:spTree>
   </p:cSld>
   <p:clrMapOvr>
@@ -3869,7 +3803,7 @@
       </p:grpSpPr>
       <p:sp>
         <p:nvSpPr>
-          <p:cNvPr id="165" name="CustomShape 1"/>
+          <p:cNvPr id="168" name="CustomShape 1"/>
           <p:cNvSpPr/>
           <p:nvPr/>
         </p:nvSpPr>
@@ -3917,7 +3851,7 @@
                 <a:latin typeface="Consolas"/>
                 <a:ea typeface="Roboto"/>
               </a:rPr>
-              <a:t>4. Production Model Package Structure</a:t>
+              <a:t>4. Production Model Module vs Package</a:t>
             </a:r>
             <a:endParaRPr lang="en-US" sz="3600" b="0" strike="noStrike" spc="-1">
               <a:latin typeface="Arial"/>
@@ -3927,7 +3861,7 @@
       </p:sp>
       <p:sp>
         <p:nvSpPr>
-          <p:cNvPr id="166" name="CustomShape 2"/>
+          <p:cNvPr id="169" name="CustomShape 2"/>
           <p:cNvSpPr/>
           <p:nvPr/>
         </p:nvSpPr>
@@ -3977,35 +3911,22 @@
                 <a:spcPct val="100000"/>
               </a:lnSpc>
             </a:pPr>
-            <a:endParaRPr lang="en-US" sz="1800" b="0" strike="noStrike" spc="-1">
-              <a:latin typeface="Arial"/>
-            </a:endParaRPr>
-          </a:p>
-        </p:txBody>
-      </p:sp>
-      <p:pic>
-        <p:nvPicPr>
-          <p:cNvPr id="167" name="Picture 166"/>
-          <p:cNvPicPr/>
-          <p:nvPr/>
-        </p:nvPicPr>
-        <p:blipFill>
-          <a:blip r:embed="rId2"/>
-          <a:stretch/>
-        </p:blipFill>
-        <p:spPr>
-          <a:xfrm>
-            <a:off x="2926080" y="1215360"/>
-            <a:ext cx="3017160" cy="5093640"/>
-          </a:xfrm>
-          <a:prstGeom prst="rect">
-            <a:avLst/>
-          </a:prstGeom>
-          <a:ln>
-            <a:noFill/>
-          </a:ln>
-        </p:spPr>
-      </p:pic>
+            <a:r>
+              <a:rPr lang="en-US" sz="1600" b="0" strike="noStrike" spc="-1">
+                <a:solidFill>
+                  <a:srgbClr val="003057"/>
+                </a:solidFill>
+                <a:latin typeface="Consolas"/>
+                <a:ea typeface="Roboto"/>
+              </a:rPr>
+              <a:t>I created various model modules to build a deep learning package as you can see from the above folder structure. I have used dependency injection pattern, i.e. passing objects that objects need instead of creating them, helped in creating scalable and testable code. Below is an implementation of a python library called pydantic which makes configuration code easy and compiled into an object that can be passed into various parts of the application.</a:t>
+            </a:r>
+            <a:endParaRPr lang="en-US" sz="1600" b="0" strike="noStrike" spc="-1">
+              <a:latin typeface="Arial"/>
+            </a:endParaRPr>
+          </a:p>
+        </p:txBody>
+      </p:sp>
     </p:spTree>
   </p:cSld>
   <p:clrMapOvr>
@@ -4049,7 +3970,7 @@
       </p:grpSpPr>
       <p:sp>
         <p:nvSpPr>
-          <p:cNvPr id="168" name="CustomShape 1"/>
+          <p:cNvPr id="170" name="CustomShape 1"/>
           <p:cNvSpPr/>
           <p:nvPr/>
         </p:nvSpPr>
@@ -4097,7 +4018,7 @@
                 <a:latin typeface="Consolas"/>
                 <a:ea typeface="Roboto"/>
               </a:rPr>
-              <a:t>4. Production Model Module vs Package</a:t>
+              <a:t>4. Production Model configuration module</a:t>
             </a:r>
             <a:endParaRPr lang="en-US" sz="3600" b="0" strike="noStrike" spc="-1">
               <a:latin typeface="Arial"/>
@@ -4107,7 +4028,7 @@
       </p:sp>
       <p:sp>
         <p:nvSpPr>
-          <p:cNvPr id="169" name="CustomShape 2"/>
+          <p:cNvPr id="171" name="CustomShape 2"/>
           <p:cNvSpPr/>
           <p:nvPr/>
         </p:nvSpPr>
@@ -4157,22 +4078,35 @@
                 <a:spcPct val="100000"/>
               </a:lnSpc>
             </a:pPr>
-            <a:r>
-              <a:rPr lang="en-US" sz="1600" b="0" strike="noStrike" spc="-1">
-                <a:solidFill>
-                  <a:srgbClr val="003057"/>
-                </a:solidFill>
-                <a:latin typeface="Consolas"/>
-                <a:ea typeface="Roboto"/>
-              </a:rPr>
-              <a:t>I created various model modules to build a deep learning package as you can see from the above folder structure. I have used dependency injection pattern, i.e. passing objects that objects need instead of creating them, helped in creating scalable and testable code. Below is an implementation of a python library called pydantic which makes configuration code easy and compiled into an object that can be passed into various parts of the application.</a:t>
-            </a:r>
-            <a:endParaRPr lang="en-US" sz="1600" b="0" strike="noStrike" spc="-1">
-              <a:latin typeface="Arial"/>
-            </a:endParaRPr>
-          </a:p>
-        </p:txBody>
-      </p:sp>
+            <a:endParaRPr lang="en-US" sz="1800" b="0" strike="noStrike" spc="-1">
+              <a:latin typeface="Arial"/>
+            </a:endParaRPr>
+          </a:p>
+        </p:txBody>
+      </p:sp>
+      <p:pic>
+        <p:nvPicPr>
+          <p:cNvPr id="172" name="Picture 171"/>
+          <p:cNvPicPr/>
+          <p:nvPr/>
+        </p:nvPicPr>
+        <p:blipFill>
+          <a:blip r:embed="rId2"/>
+          <a:stretch/>
+        </p:blipFill>
+        <p:spPr>
+          <a:xfrm>
+            <a:off x="1005840" y="1140120"/>
+            <a:ext cx="8595000" cy="5443200"/>
+          </a:xfrm>
+          <a:prstGeom prst="rect">
+            <a:avLst/>
+          </a:prstGeom>
+          <a:ln>
+            <a:noFill/>
+          </a:ln>
+        </p:spPr>
+      </p:pic>
     </p:spTree>
   </p:cSld>
   <p:clrMapOvr>
@@ -4216,7 +4150,7 @@
       </p:grpSpPr>
       <p:sp>
         <p:nvSpPr>
-          <p:cNvPr id="170" name="CustomShape 1"/>
+          <p:cNvPr id="173" name="CustomShape 1"/>
           <p:cNvSpPr/>
           <p:nvPr/>
         </p:nvSpPr>
@@ -4264,7 +4198,7 @@
                 <a:latin typeface="Consolas"/>
                 <a:ea typeface="Roboto"/>
               </a:rPr>
-              <a:t>4. Production Model configuration module</a:t>
+              <a:t>4. Production Model Data Service</a:t>
             </a:r>
             <a:endParaRPr lang="en-US" sz="3600" b="0" strike="noStrike" spc="-1">
               <a:latin typeface="Arial"/>
@@ -4274,7 +4208,7 @@
       </p:sp>
       <p:sp>
         <p:nvSpPr>
-          <p:cNvPr id="171" name="CustomShape 2"/>
+          <p:cNvPr id="174" name="CustomShape 2"/>
           <p:cNvSpPr/>
           <p:nvPr/>
         </p:nvSpPr>
@@ -4332,7 +4266,7 @@
       </p:sp>
       <p:pic>
         <p:nvPicPr>
-          <p:cNvPr id="172" name="Picture 171"/>
+          <p:cNvPr id="175" name="Picture 174"/>
           <p:cNvPicPr/>
           <p:nvPr/>
         </p:nvPicPr>
@@ -4342,8 +4276,8 @@
         </p:blipFill>
         <p:spPr>
           <a:xfrm>
-            <a:off x="1005840" y="1140120"/>
-            <a:ext cx="8595000" cy="5443200"/>
+            <a:off x="391320" y="1024200"/>
+            <a:ext cx="9575280" cy="5742000"/>
           </a:xfrm>
           <a:prstGeom prst="rect">
             <a:avLst/>
@@ -4615,7 +4549,7 @@
       </p:grpSpPr>
       <p:sp>
         <p:nvSpPr>
-          <p:cNvPr id="173" name="CustomShape 1"/>
+          <p:cNvPr id="176" name="CustomShape 1"/>
           <p:cNvSpPr/>
           <p:nvPr/>
         </p:nvSpPr>
@@ -4663,7 +4597,7 @@
                 <a:latin typeface="Consolas"/>
                 <a:ea typeface="Roboto"/>
               </a:rPr>
-              <a:t>4. Production Model Data Service</a:t>
+              <a:t>4. Production Model testing modules</a:t>
             </a:r>
             <a:endParaRPr lang="en-US" sz="3600" b="0" strike="noStrike" spc="-1">
               <a:latin typeface="Arial"/>
@@ -4673,7 +4607,7 @@
       </p:sp>
       <p:sp>
         <p:nvSpPr>
-          <p:cNvPr id="174" name="CustomShape 2"/>
+          <p:cNvPr id="177" name="CustomShape 2"/>
           <p:cNvSpPr/>
           <p:nvPr/>
         </p:nvSpPr>
@@ -4731,7 +4665,7 @@
       </p:sp>
       <p:pic>
         <p:nvPicPr>
-          <p:cNvPr id="175" name="Picture 174"/>
+          <p:cNvPr id="178" name="Picture 177"/>
           <p:cNvPicPr/>
           <p:nvPr/>
         </p:nvPicPr>
@@ -4741,8 +4675,8 @@
         </p:blipFill>
         <p:spPr>
           <a:xfrm>
-            <a:off x="391320" y="1024200"/>
-            <a:ext cx="9575280" cy="5742000"/>
+            <a:off x="457200" y="1280160"/>
+            <a:ext cx="9235080" cy="5486040"/>
           </a:xfrm>
           <a:prstGeom prst="rect">
             <a:avLst/>
@@ -4795,7 +4729,7 @@
       </p:grpSpPr>
       <p:sp>
         <p:nvSpPr>
-          <p:cNvPr id="176" name="CustomShape 1"/>
+          <p:cNvPr id="179" name="CustomShape 1"/>
           <p:cNvSpPr/>
           <p:nvPr/>
         </p:nvSpPr>
@@ -4843,7 +4777,7 @@
                 <a:latin typeface="Consolas"/>
                 <a:ea typeface="Roboto"/>
               </a:rPr>
-              <a:t>4. Production Model testing modules</a:t>
+              <a:t>4. Production Model more testing modules</a:t>
             </a:r>
             <a:endParaRPr lang="en-US" sz="3600" b="0" strike="noStrike" spc="-1">
               <a:latin typeface="Arial"/>
@@ -4853,7 +4787,7 @@
       </p:sp>
       <p:sp>
         <p:nvSpPr>
-          <p:cNvPr id="177" name="CustomShape 2"/>
+          <p:cNvPr id="180" name="CustomShape 2"/>
           <p:cNvSpPr/>
           <p:nvPr/>
         </p:nvSpPr>
@@ -4911,7 +4845,7 @@
       </p:sp>
       <p:pic>
         <p:nvPicPr>
-          <p:cNvPr id="178" name="Picture 177"/>
+          <p:cNvPr id="181" name="Picture 180"/>
           <p:cNvPicPr/>
           <p:nvPr/>
         </p:nvPicPr>
@@ -4921,8 +4855,8 @@
         </p:blipFill>
         <p:spPr>
           <a:xfrm>
-            <a:off x="457200" y="1280160"/>
-            <a:ext cx="9235080" cy="5486040"/>
+            <a:off x="548640" y="1005840"/>
+            <a:ext cx="8503560" cy="5394600"/>
           </a:xfrm>
           <a:prstGeom prst="rect">
             <a:avLst/>
@@ -4975,7 +4909,7 @@
       </p:grpSpPr>
       <p:sp>
         <p:nvSpPr>
-          <p:cNvPr id="179" name="CustomShape 1"/>
+          <p:cNvPr id="182" name="CustomShape 1"/>
           <p:cNvSpPr/>
           <p:nvPr/>
         </p:nvSpPr>
@@ -5023,7 +4957,7 @@
                 <a:latin typeface="Consolas"/>
                 <a:ea typeface="Roboto"/>
               </a:rPr>
-              <a:t>4. Production Model more testing modules</a:t>
+              <a:t>4. Model implementation CI/CD pipeline </a:t>
             </a:r>
             <a:endParaRPr lang="en-US" sz="3600" b="0" strike="noStrike" spc="-1">
               <a:latin typeface="Arial"/>
@@ -5033,7 +4967,7 @@
       </p:sp>
       <p:sp>
         <p:nvSpPr>
-          <p:cNvPr id="180" name="CustomShape 2"/>
+          <p:cNvPr id="183" name="CustomShape 2"/>
           <p:cNvSpPr/>
           <p:nvPr/>
         </p:nvSpPr>
@@ -5083,35 +5017,22 @@
                 <a:spcPct val="100000"/>
               </a:lnSpc>
             </a:pPr>
-            <a:endParaRPr lang="en-US" sz="1800" b="0" strike="noStrike" spc="-1">
-              <a:latin typeface="Arial"/>
-            </a:endParaRPr>
-          </a:p>
-        </p:txBody>
-      </p:sp>
-      <p:pic>
-        <p:nvPicPr>
-          <p:cNvPr id="181" name="Picture 180"/>
-          <p:cNvPicPr/>
-          <p:nvPr/>
-        </p:nvPicPr>
-        <p:blipFill>
-          <a:blip r:embed="rId2"/>
-          <a:stretch/>
-        </p:blipFill>
-        <p:spPr>
-          <a:xfrm>
-            <a:off x="548640" y="1005840"/>
-            <a:ext cx="8503560" cy="5394600"/>
-          </a:xfrm>
-          <a:prstGeom prst="rect">
-            <a:avLst/>
-          </a:prstGeom>
-          <a:ln>
-            <a:noFill/>
-          </a:ln>
-        </p:spPr>
-      </p:pic>
+            <a:r>
+              <a:rPr lang="en-US" sz="1600" b="0" strike="noStrike" spc="-1">
+                <a:solidFill>
+                  <a:srgbClr val="003057"/>
+                </a:solidFill>
+                <a:latin typeface="Consolas"/>
+                <a:ea typeface="Roboto"/>
+              </a:rPr>
+              <a:t>Once I completed packaging production module, then started integrating Azure pipelines for CI/CD which stands for continuous integration, continuous delivery and continuous deployment. What this means is when a developer like me submits code for review and check’s in after approval, code goes through a process of building, testing, and publishing files to the private server. This is done so machine learning model can be integrated with a website or a web api, instead of creating monolithic application. Here is an example from my company pipeline when a feature has been checked in for this project.</a:t>
+            </a:r>
+            <a:endParaRPr lang="en-US" sz="1600" b="0" strike="noStrike" spc="-1">
+              <a:latin typeface="Arial"/>
+            </a:endParaRPr>
+          </a:p>
+        </p:txBody>
+      </p:sp>
     </p:spTree>
   </p:cSld>
   <p:clrMapOvr>
@@ -5155,7 +5076,7 @@
       </p:grpSpPr>
       <p:sp>
         <p:nvSpPr>
-          <p:cNvPr id="182" name="CustomShape 1"/>
+          <p:cNvPr id="184" name="CustomShape 1"/>
           <p:cNvSpPr/>
           <p:nvPr/>
         </p:nvSpPr>
@@ -5213,7 +5134,7 @@
       </p:sp>
       <p:sp>
         <p:nvSpPr>
-          <p:cNvPr id="183" name="CustomShape 2"/>
+          <p:cNvPr id="185" name="CustomShape 2"/>
           <p:cNvSpPr/>
           <p:nvPr/>
         </p:nvSpPr>
@@ -5263,22 +5184,35 @@
                 <a:spcPct val="100000"/>
               </a:lnSpc>
             </a:pPr>
-            <a:r>
-              <a:rPr lang="en-US" sz="1600" b="0" strike="noStrike" spc="-1">
-                <a:solidFill>
-                  <a:srgbClr val="003057"/>
-                </a:solidFill>
-                <a:latin typeface="Consolas"/>
-                <a:ea typeface="Roboto"/>
-              </a:rPr>
-              <a:t>Once I completed packaging production module, then started integrating Azure pipelines for CI/CD which stands for continuous integration, continuous delivery and continuous deployment. What this means is when a developer like me submits code for review and check’s in after approval, code goes through a process of building, testing, and publishing files to the private server. This is done so machine learning model can be integrated with a website or a web api, instead of creating monolithic application. Here is an example from my company pipeline when a feature has been checked in for this project.</a:t>
-            </a:r>
-            <a:endParaRPr lang="en-US" sz="1600" b="0" strike="noStrike" spc="-1">
-              <a:latin typeface="Arial"/>
-            </a:endParaRPr>
-          </a:p>
-        </p:txBody>
-      </p:sp>
+            <a:endParaRPr lang="en-US" sz="1800" b="0" strike="noStrike" spc="-1">
+              <a:latin typeface="Arial"/>
+            </a:endParaRPr>
+          </a:p>
+        </p:txBody>
+      </p:sp>
+      <p:pic>
+        <p:nvPicPr>
+          <p:cNvPr id="186" name="Picture 185"/>
+          <p:cNvPicPr/>
+          <p:nvPr/>
+        </p:nvPicPr>
+        <p:blipFill>
+          <a:blip r:embed="rId2"/>
+          <a:stretch/>
+        </p:blipFill>
+        <p:spPr>
+          <a:xfrm>
+            <a:off x="1280160" y="1097280"/>
+            <a:ext cx="7484760" cy="5486040"/>
+          </a:xfrm>
+          <a:prstGeom prst="rect">
+            <a:avLst/>
+          </a:prstGeom>
+          <a:ln>
+            <a:noFill/>
+          </a:ln>
+        </p:spPr>
+      </p:pic>
     </p:spTree>
   </p:cSld>
   <p:clrMapOvr>
@@ -5322,7 +5256,7 @@
       </p:grpSpPr>
       <p:sp>
         <p:nvSpPr>
-          <p:cNvPr id="184" name="CustomShape 1"/>
+          <p:cNvPr id="187" name="CustomShape 1"/>
           <p:cNvSpPr/>
           <p:nvPr/>
         </p:nvSpPr>
@@ -5380,7 +5314,7 @@
       </p:sp>
       <p:sp>
         <p:nvSpPr>
-          <p:cNvPr id="185" name="CustomShape 2"/>
+          <p:cNvPr id="188" name="CustomShape 2"/>
           <p:cNvSpPr/>
           <p:nvPr/>
         </p:nvSpPr>
@@ -5430,35 +5364,34 @@
                 <a:spcPct val="100000"/>
               </a:lnSpc>
             </a:pPr>
-            <a:endParaRPr lang="en-US" sz="1800" b="0" strike="noStrike" spc="-1">
-              <a:latin typeface="Arial"/>
-            </a:endParaRPr>
-          </a:p>
-        </p:txBody>
-      </p:sp>
-      <p:pic>
-        <p:nvPicPr>
-          <p:cNvPr id="186" name="Picture 185"/>
-          <p:cNvPicPr/>
-          <p:nvPr/>
-        </p:nvPicPr>
-        <p:blipFill>
-          <a:blip r:embed="rId2"/>
-          <a:stretch/>
-        </p:blipFill>
-        <p:spPr>
-          <a:xfrm>
-            <a:off x="1280160" y="1097280"/>
-            <a:ext cx="7484760" cy="5486040"/>
-          </a:xfrm>
-          <a:prstGeom prst="rect">
-            <a:avLst/>
-          </a:prstGeom>
-          <a:ln>
-            <a:noFill/>
-          </a:ln>
-        </p:spPr>
-      </p:pic>
+            <a:r>
+              <a:rPr lang="en-US" sz="1600" b="0" strike="noStrike" spc="-1">
+                <a:solidFill>
+                  <a:srgbClr val="003057"/>
+                </a:solidFill>
+                <a:latin typeface="Consolas"/>
+                <a:ea typeface="Roboto"/>
+              </a:rPr>
+              <a:t>Note, I created a similar example for this class as a POC before integrating with company code. This deployed on pypi is an experimental version and not the model package used at my company. Link can be found </a:t>
+            </a:r>
+            <a:r>
+              <a:rPr lang="en-US" sz="1600" b="0" u="sng" strike="noStrike" spc="-1">
+                <a:solidFill>
+                  <a:srgbClr val="0000FF"/>
+                </a:solidFill>
+                <a:uFillTx/>
+                <a:latin typeface="Consolas"/>
+                <a:ea typeface="Roboto"/>
+                <a:hlinkClick r:id="rId2"/>
+              </a:rPr>
+              <a:t>here</a:t>
+            </a:r>
+            <a:endParaRPr lang="en-US" sz="1600" b="0" strike="noStrike" spc="-1">
+              <a:latin typeface="Arial"/>
+            </a:endParaRPr>
+          </a:p>
+        </p:txBody>
+      </p:sp>
     </p:spTree>
   </p:cSld>
   <p:clrMapOvr>
@@ -5468,185 +5401,6 @@
 </file>
 
 <file path=ppt/slides/slide25.xml><?xml version="1.0" encoding="utf-8"?>
-<p:sld xmlns:a="http://schemas.openxmlformats.org/drawingml/2006/main" xmlns:r="http://schemas.openxmlformats.org/officeDocument/2006/relationships" xmlns:p="http://schemas.openxmlformats.org/presentationml/2006/main">
-  <p:cSld>
-    <p:bg>
-      <p:bgPr>
-        <a:pattFill prst="pct5">
-          <a:fgClr>
-            <a:schemeClr val="accent2">
-              <a:lumMod val="20000"/>
-              <a:lumOff val="80000"/>
-            </a:schemeClr>
-          </a:fgClr>
-          <a:bgClr>
-            <a:schemeClr val="bg1"/>
-          </a:bgClr>
-        </a:pattFill>
-        <a:effectLst/>
-      </p:bgPr>
-    </p:bg>
-    <p:spTree>
-      <p:nvGrpSpPr>
-        <p:cNvPr id="1" name=""/>
-        <p:cNvGrpSpPr/>
-        <p:nvPr/>
-      </p:nvGrpSpPr>
-      <p:grpSpPr>
-        <a:xfrm>
-          <a:off x="0" y="0"/>
-          <a:ext cx="0" cy="0"/>
-          <a:chOff x="0" y="0"/>
-          <a:chExt cx="0" cy="0"/>
-        </a:xfrm>
-      </p:grpSpPr>
-      <p:sp>
-        <p:nvSpPr>
-          <p:cNvPr id="187" name="CustomShape 1"/>
-          <p:cNvSpPr/>
-          <p:nvPr/>
-        </p:nvSpPr>
-        <p:spPr>
-          <a:xfrm>
-            <a:off x="391320" y="200880"/>
-            <a:ext cx="11429280" cy="1014120"/>
-          </a:xfrm>
-          <a:prstGeom prst="rect">
-            <a:avLst/>
-          </a:prstGeom>
-          <a:noFill/>
-          <a:ln>
-            <a:noFill/>
-          </a:ln>
-        </p:spPr>
-        <p:style>
-          <a:lnRef idx="0">
-            <a:scrgbClr r="0" g="0" b="0"/>
-          </a:lnRef>
-          <a:fillRef idx="0">
-            <a:scrgbClr r="0" g="0" b="0"/>
-          </a:fillRef>
-          <a:effectRef idx="0">
-            <a:scrgbClr r="0" g="0" b="0"/>
-          </a:effectRef>
-          <a:fontRef idx="minor"/>
-        </p:style>
-        <p:txBody>
-          <a:bodyPr lIns="90000" tIns="45000" rIns="90000" bIns="45000" anchor="ctr">
-            <a:noAutofit/>
-          </a:bodyPr>
-          <a:lstStyle/>
-          <a:p>
-            <a:pPr>
-              <a:lnSpc>
-                <a:spcPct val="100000"/>
-              </a:lnSpc>
-            </a:pPr>
-            <a:r>
-              <a:rPr lang="en-US" sz="3600" b="1" strike="noStrike" spc="-1">
-                <a:solidFill>
-                  <a:srgbClr val="A7934B"/>
-                </a:solidFill>
-                <a:latin typeface="Consolas"/>
-                <a:ea typeface="Roboto"/>
-              </a:rPr>
-              <a:t>4. Model implementation CI/CD pipeline </a:t>
-            </a:r>
-            <a:endParaRPr lang="en-US" sz="3600" b="0" strike="noStrike" spc="-1">
-              <a:latin typeface="Arial"/>
-            </a:endParaRPr>
-          </a:p>
-        </p:txBody>
-      </p:sp>
-      <p:sp>
-        <p:nvSpPr>
-          <p:cNvPr id="188" name="CustomShape 2"/>
-          <p:cNvSpPr/>
-          <p:nvPr/>
-        </p:nvSpPr>
-        <p:spPr>
-          <a:xfrm>
-            <a:off x="380880" y="1215360"/>
-            <a:ext cx="11429280" cy="4224960"/>
-          </a:xfrm>
-          <a:prstGeom prst="rect">
-            <a:avLst/>
-          </a:prstGeom>
-          <a:noFill/>
-          <a:ln>
-            <a:noFill/>
-          </a:ln>
-        </p:spPr>
-        <p:style>
-          <a:lnRef idx="0">
-            <a:scrgbClr r="0" g="0" b="0"/>
-          </a:lnRef>
-          <a:fillRef idx="0">
-            <a:scrgbClr r="0" g="0" b="0"/>
-          </a:fillRef>
-          <a:effectRef idx="0">
-            <a:scrgbClr r="0" g="0" b="0"/>
-          </a:effectRef>
-          <a:fontRef idx="minor"/>
-        </p:style>
-        <p:txBody>
-          <a:bodyPr lIns="0" tIns="0" rIns="0" bIns="0">
-            <a:normAutofit/>
-          </a:bodyPr>
-          <a:lstStyle/>
-          <a:p>
-            <a:pPr>
-              <a:lnSpc>
-                <a:spcPct val="100000"/>
-              </a:lnSpc>
-            </a:pPr>
-            <a:endParaRPr lang="en-US" sz="1800" b="0" strike="noStrike" spc="-1">
-              <a:latin typeface="Arial"/>
-            </a:endParaRPr>
-          </a:p>
-          <a:p>
-            <a:pPr>
-              <a:lnSpc>
-                <a:spcPct val="100000"/>
-              </a:lnSpc>
-            </a:pPr>
-            <a:r>
-              <a:rPr lang="en-US" sz="1600" b="0" strike="noStrike" spc="-1">
-                <a:solidFill>
-                  <a:srgbClr val="003057"/>
-                </a:solidFill>
-                <a:latin typeface="Consolas"/>
-                <a:ea typeface="Roboto"/>
-              </a:rPr>
-              <a:t>Note, I created a similar example for this class as a POC before integrating with company code. This deployed on pypi is an experimental version and not the model package used at my company. Link can be found </a:t>
-            </a:r>
-            <a:r>
-              <a:rPr lang="en-US" sz="1600" b="0" u="sng" strike="noStrike" spc="-1">
-                <a:solidFill>
-                  <a:srgbClr val="0000FF"/>
-                </a:solidFill>
-                <a:uFillTx/>
-                <a:latin typeface="Consolas"/>
-                <a:ea typeface="Roboto"/>
-                <a:hlinkClick r:id="rId2"/>
-              </a:rPr>
-              <a:t>here</a:t>
-            </a:r>
-            <a:endParaRPr lang="en-US" sz="1600" b="0" strike="noStrike" spc="-1">
-              <a:latin typeface="Arial"/>
-            </a:endParaRPr>
-          </a:p>
-        </p:txBody>
-      </p:sp>
-    </p:spTree>
-  </p:cSld>
-  <p:clrMapOvr>
-    <a:masterClrMapping/>
-  </p:clrMapOvr>
-</p:sld>
-</file>
-
-<file path=ppt/slides/slide26.xml><?xml version="1.0" encoding="utf-8"?>
 <p:sld xmlns:a="http://schemas.openxmlformats.org/drawingml/2006/main" xmlns:r="http://schemas.openxmlformats.org/officeDocument/2006/relationships" xmlns:p="http://schemas.openxmlformats.org/presentationml/2006/main">
   <p:cSld>
     <p:bg>
@@ -6088,7 +5842,7 @@
       </p:grpSpPr>
       <p:sp>
         <p:nvSpPr>
-          <p:cNvPr id="140" name="CustomShape 1"/>
+          <p:cNvPr id="124" name="CustomShape 1"/>
           <p:cNvSpPr/>
           <p:nvPr/>
         </p:nvSpPr>
@@ -6134,89 +5888,69 @@
                   <a:srgbClr val="003057"/>
                 </a:solidFill>
                 <a:latin typeface="Consolas"/>
+                <a:ea typeface="NimbusRomNo9L-Regu"/>
+              </a:rPr>
+              <a:t>At the document level, we have “text” key that contains full document text, and “spans” key splitting text into a list of premises. The key “annotation sets” is a list containing multiple annotations for a given documents. At the annotation level, every key “nda-1”, “nda-2”, etc. is a hypothesis labeled either entails, contradicts, or is neutral to the given document. The “spans” key under each hypothesis is indexed the “spans” key at the document level. Example – “nda-1” entails the spans 1, 13, and 91. Here, span 1 at the document level corresponds to sentence text indexed between characters [25, 89]. The “labels” key describes the text sequence for each hypothesis.</a:t>
+            </a:r>
+            <a:endParaRPr lang="en-US" sz="1600" b="0" strike="noStrike" spc="-1">
+              <a:latin typeface="Arial"/>
+            </a:endParaRPr>
+          </a:p>
+          <a:p>
+            <a:pPr>
+              <a:lnSpc>
+                <a:spcPct val="100000"/>
+              </a:lnSpc>
+            </a:pPr>
+            <a:r>
+              <a:rPr lang="en-US" sz="1600" b="0" strike="noStrike" spc="-1">
+                <a:solidFill>
+                  <a:srgbClr val="003057"/>
+                </a:solidFill>
+                <a:latin typeface="Consolas"/>
+                <a:ea typeface="NimbusRomNo9L-Regu"/>
+              </a:rPr>
+              <a:t>Next step as part of data analysis is to process data and extract features, I will need for building. This feature engineer step was recorded and will be used in machine learning pipeline at a later step to process incoming data. Below is the extracted Tibble used for Model building.</a:t>
+            </a:r>
+            <a:endParaRPr lang="en-US" sz="1600" b="0" strike="noStrike" spc="-1">
+              <a:latin typeface="Arial"/>
+            </a:endParaRPr>
+          </a:p>
+          <a:p>
+            <a:pPr>
+              <a:lnSpc>
+                <a:spcPct val="100000"/>
+              </a:lnSpc>
+            </a:pPr>
+            <a:endParaRPr lang="en-US" sz="1600" b="0" strike="noStrike" spc="-1">
+              <a:latin typeface="Arial"/>
+            </a:endParaRPr>
+          </a:p>
+          <a:p>
+            <a:pPr>
+              <a:lnSpc>
+                <a:spcPct val="100000"/>
+              </a:lnSpc>
+            </a:pPr>
+            <a:r>
+              <a:rPr lang="en-US" sz="1600" b="0" strike="noStrike" spc="-1">
+                <a:solidFill>
+                  <a:srgbClr val="003057"/>
+                </a:solidFill>
+                <a:latin typeface="Consolas"/>
                 <a:ea typeface="Roboto"/>
               </a:rPr>
-              <a:t>Comparing:</a:t>
+              <a:t>    </a:t>
             </a:r>
             <a:endParaRPr lang="en-US" sz="1600" b="0" strike="noStrike" spc="-1">
               <a:latin typeface="Arial"/>
             </a:endParaRPr>
           </a:p>
-          <a:p>
-            <a:pPr>
-              <a:lnSpc>
-                <a:spcPct val="100000"/>
-              </a:lnSpc>
-            </a:pPr>
-            <a:r>
-              <a:rPr lang="en-US" sz="1600" b="0" strike="noStrike" spc="-1">
-                <a:solidFill>
-                  <a:srgbClr val="003057"/>
-                </a:solidFill>
-                <a:latin typeface="Consolas"/>
-                <a:ea typeface="Roboto"/>
-              </a:rPr>
-              <a:t>In the compare section, all the tokens from one sequence, with their corresponding weights are compared with a token in the other sequence.</a:t>
-            </a:r>
-            <a:endParaRPr lang="en-US" sz="1600" b="0" strike="noStrike" spc="-1">
-              <a:latin typeface="Arial"/>
-            </a:endParaRPr>
-          </a:p>
-          <a:p>
-            <a:pPr>
-              <a:lnSpc>
-                <a:spcPct val="100000"/>
-              </a:lnSpc>
-            </a:pPr>
-            <a:endParaRPr lang="en-US" sz="1600" b="0" strike="noStrike" spc="-1">
-              <a:latin typeface="Arial"/>
-            </a:endParaRPr>
-          </a:p>
-          <a:p>
-            <a:pPr>
-              <a:lnSpc>
-                <a:spcPct val="100000"/>
-              </a:lnSpc>
-            </a:pPr>
-            <a:endParaRPr lang="en-US" sz="1600" b="0" strike="noStrike" spc="-1">
-              <a:latin typeface="Arial"/>
-            </a:endParaRPr>
-          </a:p>
-          <a:p>
-            <a:pPr>
-              <a:lnSpc>
-                <a:spcPct val="100000"/>
-              </a:lnSpc>
-            </a:pPr>
-            <a:endParaRPr lang="en-US" sz="1600" b="0" strike="noStrike" spc="-1">
-              <a:latin typeface="Arial"/>
-            </a:endParaRPr>
-          </a:p>
-          <a:p>
-            <a:pPr>
-              <a:lnSpc>
-                <a:spcPct val="100000"/>
-              </a:lnSpc>
-            </a:pPr>
-            <a:r>
-              <a:rPr lang="en-US" sz="1600" b="0" strike="noStrike" spc="-1">
-                <a:solidFill>
-                  <a:srgbClr val="003057"/>
-                </a:solidFill>
-                <a:latin typeface="Consolas"/>
-                <a:ea typeface="Roboto"/>
-              </a:rPr>
-              <a:t>The representation is the concatenation of premise token pi and the softly aligned weight representation for that token Φi . A similar operation is performed for the hypothesis as well. As the concatenation operation is performed along the embedding dimension, the multi-layer perceptron G maps input dimension equal to twice the embedding dimension, to the number of hidden units.</a:t>
-            </a:r>
-            <a:endParaRPr lang="en-US" sz="1600" b="0" strike="noStrike" spc="-1">
-              <a:latin typeface="Arial"/>
-            </a:endParaRPr>
-          </a:p>
-        </p:txBody>
-      </p:sp>
-      <p:sp>
-        <p:nvSpPr>
-          <p:cNvPr id="141" name="CustomShape 2"/>
+        </p:txBody>
+      </p:sp>
+      <p:sp>
+        <p:nvSpPr>
+          <p:cNvPr id="125" name="CustomShape 2"/>
           <p:cNvSpPr/>
           <p:nvPr/>
         </p:nvSpPr>
@@ -6264,7 +5998,7 @@
                 <a:latin typeface="Consolas"/>
                 <a:ea typeface="Roboto"/>
               </a:rPr>
-              <a:t>2. Model Building</a:t>
+              <a:t>1. Data Analysis</a:t>
             </a:r>
             <a:endParaRPr lang="en-US" sz="3600" b="0" strike="noStrike" spc="-1">
               <a:latin typeface="Arial"/>
@@ -6274,7 +6008,7 @@
       </p:sp>
       <p:pic>
         <p:nvPicPr>
-          <p:cNvPr id="142" name="Picture 141"/>
+          <p:cNvPr id="126" name="Picture 125"/>
           <p:cNvPicPr/>
           <p:nvPr/>
         </p:nvPicPr>
@@ -6284,8 +6018,8 @@
         </p:blipFill>
         <p:spPr>
           <a:xfrm>
-            <a:off x="2545920" y="2377440"/>
-            <a:ext cx="2665800" cy="866160"/>
+            <a:off x="1097280" y="3749040"/>
+            <a:ext cx="7835040" cy="2834280"/>
           </a:xfrm>
           <a:prstGeom prst="rect">
             <a:avLst/>
@@ -6338,7 +6072,7 @@
       </p:grpSpPr>
       <p:sp>
         <p:nvSpPr>
-          <p:cNvPr id="124" name="CustomShape 1"/>
+          <p:cNvPr id="127" name="CustomShape 1"/>
           <p:cNvSpPr/>
           <p:nvPr/>
         </p:nvSpPr>
@@ -6386,7 +6120,7 @@
                 <a:latin typeface="Consolas"/>
                 <a:ea typeface="NimbusRomNo9L-Regu"/>
               </a:rPr>
-              <a:t>At the document level, we have “text” key that contains full document text, and “spans” key splitting text into a list of premises. The key “annotation sets” is a list containing multiple annotations for a given documents. At the annotation level, every key “nda-1”, “nda-2”, etc. is a hypothesis labeled either entails, contradicts, or is neutral to the given document. The “spans” key under each hypothesis is indexed the “spans” key at the document level. Example – “nda-1” entails the spans 1, 13, and 91. Here, span 1 at the document level corresponds to sentence text indexed between characters [25, 89]. The “labels” key describes the text sequence for each hypothesis.</a:t>
+              <a:t>I found data to be imbalanced and this will play a role in selecting hyperparameters for model building. Below is screenshot which shows higher frequency of neutral cases followed by entitlement and contradiction. Code for research here: </a:t>
             </a:r>
             <a:endParaRPr lang="en-US" sz="1600" b="0" strike="noStrike" spc="-1">
               <a:latin typeface="Arial"/>
@@ -6398,55 +6132,35 @@
                 <a:spcPct val="100000"/>
               </a:lnSpc>
             </a:pPr>
+            <a:endParaRPr lang="en-US" sz="1600" b="0" strike="noStrike" spc="-1">
+              <a:latin typeface="Arial"/>
+            </a:endParaRPr>
+          </a:p>
+          <a:p>
+            <a:pPr>
+              <a:lnSpc>
+                <a:spcPct val="100000"/>
+              </a:lnSpc>
+            </a:pPr>
             <a:r>
               <a:rPr lang="en-US" sz="1600" b="0" strike="noStrike" spc="-1">
                 <a:solidFill>
                   <a:srgbClr val="003057"/>
                 </a:solidFill>
                 <a:latin typeface="Consolas"/>
-                <a:ea typeface="NimbusRomNo9L-Regu"/>
-              </a:rPr>
-              <a:t>Next step as part of data analysis is to process data and extract features, I will need for building. This feature engineer step was recorded and will be used in machine learning pipeline at a later step to process incoming data. Below is the extracted Tibble used for Model building.</a:t>
+                <a:ea typeface="Roboto"/>
+              </a:rPr>
+              <a:t>    </a:t>
             </a:r>
             <a:endParaRPr lang="en-US" sz="1600" b="0" strike="noStrike" spc="-1">
               <a:latin typeface="Arial"/>
             </a:endParaRPr>
           </a:p>
-          <a:p>
-            <a:pPr>
-              <a:lnSpc>
-                <a:spcPct val="100000"/>
-              </a:lnSpc>
-            </a:pPr>
-            <a:endParaRPr lang="en-US" sz="1600" b="0" strike="noStrike" spc="-1">
-              <a:latin typeface="Arial"/>
-            </a:endParaRPr>
-          </a:p>
-          <a:p>
-            <a:pPr>
-              <a:lnSpc>
-                <a:spcPct val="100000"/>
-              </a:lnSpc>
-            </a:pPr>
-            <a:r>
-              <a:rPr lang="en-US" sz="1600" b="0" strike="noStrike" spc="-1">
-                <a:solidFill>
-                  <a:srgbClr val="003057"/>
-                </a:solidFill>
-                <a:latin typeface="Consolas"/>
-                <a:ea typeface="Roboto"/>
-              </a:rPr>
-              <a:t>    </a:t>
-            </a:r>
-            <a:endParaRPr lang="en-US" sz="1600" b="0" strike="noStrike" spc="-1">
-              <a:latin typeface="Arial"/>
-            </a:endParaRPr>
-          </a:p>
-        </p:txBody>
-      </p:sp>
-      <p:sp>
-        <p:nvSpPr>
-          <p:cNvPr id="125" name="CustomShape 2"/>
+        </p:txBody>
+      </p:sp>
+      <p:sp>
+        <p:nvSpPr>
+          <p:cNvPr id="128" name="CustomShape 2"/>
           <p:cNvSpPr/>
           <p:nvPr/>
         </p:nvSpPr>
@@ -6504,7 +6218,7 @@
       </p:sp>
       <p:pic>
         <p:nvPicPr>
-          <p:cNvPr id="126" name="Picture 125"/>
+          <p:cNvPr id="129" name="Picture 128"/>
           <p:cNvPicPr/>
           <p:nvPr/>
         </p:nvPicPr>
@@ -6514,8 +6228,8 @@
         </p:blipFill>
         <p:spPr>
           <a:xfrm>
-            <a:off x="1097280" y="3749040"/>
-            <a:ext cx="7835040" cy="2834280"/>
+            <a:off x="1523520" y="2150640"/>
+            <a:ext cx="7803000" cy="4249800"/>
           </a:xfrm>
           <a:prstGeom prst="rect">
             <a:avLst/>
@@ -6568,7 +6282,7 @@
       </p:grpSpPr>
       <p:sp>
         <p:nvSpPr>
-          <p:cNvPr id="127" name="CustomShape 1"/>
+          <p:cNvPr id="130" name="CustomShape 1"/>
           <p:cNvSpPr/>
           <p:nvPr/>
         </p:nvSpPr>
@@ -6616,7 +6330,7 @@
                 <a:latin typeface="Consolas"/>
                 <a:ea typeface="NimbusRomNo9L-Regu"/>
               </a:rPr>
-              <a:t>I found data to be imbalanced and this will play a role in selecting hyperparameters for model building. Below is screenshot which shows higher frequency of neutral cases followed by entitlement and contradiction. Code for research here: </a:t>
+              <a:t>Next continuing to model building, I modified one of the existing architectures Decomposable Attention Model with some minor changes like adding additional layers, dropouts, and attention mechanism. </a:t>
             </a:r>
             <a:endParaRPr lang="en-US" sz="1600" b="0" strike="noStrike" spc="-1">
               <a:latin typeface="Arial"/>
@@ -6656,7 +6370,7 @@
       </p:sp>
       <p:sp>
         <p:nvSpPr>
-          <p:cNvPr id="128" name="CustomShape 2"/>
+          <p:cNvPr id="131" name="CustomShape 2"/>
           <p:cNvSpPr/>
           <p:nvPr/>
         </p:nvSpPr>
@@ -6704,7 +6418,7 @@
                 <a:latin typeface="Consolas"/>
                 <a:ea typeface="Roboto"/>
               </a:rPr>
-              <a:t>1. Data Analysis</a:t>
+              <a:t>2. Model Building</a:t>
             </a:r>
             <a:endParaRPr lang="en-US" sz="3600" b="0" strike="noStrike" spc="-1">
               <a:latin typeface="Arial"/>
@@ -6714,7 +6428,7 @@
       </p:sp>
       <p:pic>
         <p:nvPicPr>
-          <p:cNvPr id="129" name="Picture 128"/>
+          <p:cNvPr id="132" name="Picture 131"/>
           <p:cNvPicPr/>
           <p:nvPr/>
         </p:nvPicPr>
@@ -6724,8 +6438,8 @@
         </p:blipFill>
         <p:spPr>
           <a:xfrm>
-            <a:off x="1523520" y="2150640"/>
-            <a:ext cx="7803000" cy="4249800"/>
+            <a:off x="2560320" y="2011680"/>
+            <a:ext cx="5668920" cy="4297320"/>
           </a:xfrm>
           <a:prstGeom prst="rect">
             <a:avLst/>
@@ -6778,7 +6492,7 @@
       </p:grpSpPr>
       <p:sp>
         <p:nvSpPr>
-          <p:cNvPr id="130" name="CustomShape 1"/>
+          <p:cNvPr id="133" name="CustomShape 1"/>
           <p:cNvSpPr/>
           <p:nvPr/>
         </p:nvSpPr>
@@ -6826,7 +6540,7 @@
                 <a:latin typeface="Consolas"/>
                 <a:ea typeface="NimbusRomNo9L-Regu"/>
               </a:rPr>
-              <a:t>Next continuing to model building, I modified one of the existing architectures Decomposable Attention Model with some minor changes like adding additional layers, dropouts, and attention mechanism. </a:t>
+              <a:t>Token Embedding: </a:t>
             </a:r>
             <a:endParaRPr lang="en-US" sz="1600" b="0" strike="noStrike" spc="-1">
               <a:latin typeface="Arial"/>
@@ -6838,6 +6552,26 @@
                 <a:spcPct val="100000"/>
               </a:lnSpc>
             </a:pPr>
+            <a:r>
+              <a:rPr lang="en-US" sz="1600" b="0" strike="noStrike" spc="-1">
+                <a:solidFill>
+                  <a:srgbClr val="003057"/>
+                </a:solidFill>
+                <a:latin typeface="Consolas"/>
+                <a:ea typeface="NimbusRomNo9L-Regu"/>
+              </a:rPr>
+              <a:t>continuing I used </a:t>
+            </a:r>
+            <a:r>
+              <a:rPr lang="en-US" sz="1600" b="0" strike="noStrike" spc="-1">
+                <a:solidFill>
+                  <a:srgbClr val="000000"/>
+                </a:solidFill>
+                <a:latin typeface="Consolas"/>
+                <a:ea typeface="NimbusRomNo9L-Regu"/>
+              </a:rPr>
+              <a:t>Global Vectors (GloVe) embedding for word representation, an unsupervised learning algorithm for obtaining vector representations for words, with training performed on aggregated global word-word co-occurrence statistics from a corpus. To perform word embedding, I use GloVe 6B 100d.</a:t>
+            </a:r>
             <a:endParaRPr lang="en-US" sz="1600" b="0" strike="noStrike" spc="-1">
               <a:latin typeface="Arial"/>
             </a:endParaRPr>
@@ -6848,12 +6582,202 @@
                 <a:spcPct val="100000"/>
               </a:lnSpc>
             </a:pPr>
+            <a:endParaRPr lang="en-US" sz="1600" b="0" strike="noStrike" spc="-1">
+              <a:latin typeface="Arial"/>
+            </a:endParaRPr>
+          </a:p>
+          <a:p>
+            <a:pPr>
+              <a:lnSpc>
+                <a:spcPct val="100000"/>
+              </a:lnSpc>
+            </a:pPr>
             <a:r>
               <a:rPr lang="en-US" sz="1600" b="0" strike="noStrike" spc="-1">
                 <a:solidFill>
                   <a:srgbClr val="003057"/>
                 </a:solidFill>
                 <a:latin typeface="Consolas"/>
+                <a:ea typeface="NimbusRomNo9L-Regu"/>
+              </a:rPr>
+              <a:t>Positional Encoding:  </a:t>
+            </a:r>
+            <a:endParaRPr lang="en-US" sz="1600" b="0" strike="noStrike" spc="-1">
+              <a:latin typeface="Arial"/>
+            </a:endParaRPr>
+          </a:p>
+          <a:p>
+            <a:pPr>
+              <a:lnSpc>
+                <a:spcPct val="100000"/>
+              </a:lnSpc>
+            </a:pPr>
+            <a:r>
+              <a:rPr lang="en-US" sz="1600" b="0" strike="noStrike" spc="-1">
+                <a:solidFill>
+                  <a:srgbClr val="003057"/>
+                </a:solidFill>
+                <a:latin typeface="Consolas"/>
+                <a:ea typeface="NimbusRomNo9L-Regu"/>
+              </a:rPr>
+              <a:t>Below formula uniquely encodes information about the position of a token.</a:t>
+            </a:r>
+            <a:r>
+              <a:rPr lang="en-US" sz="1600" b="0" strike="noStrike" spc="-1">
+                <a:solidFill>
+                  <a:srgbClr val="000000"/>
+                </a:solidFill>
+                <a:latin typeface="Consolas"/>
+                <a:ea typeface="NimbusRomNo9L-Regu"/>
+              </a:rPr>
+              <a:t> </a:t>
+            </a:r>
+            <a:endParaRPr lang="en-US" sz="1600" b="0" strike="noStrike" spc="-1">
+              <a:latin typeface="Arial"/>
+            </a:endParaRPr>
+          </a:p>
+          <a:p>
+            <a:pPr>
+              <a:lnSpc>
+                <a:spcPct val="100000"/>
+              </a:lnSpc>
+            </a:pPr>
+            <a:endParaRPr lang="en-US" sz="1600" b="0" strike="noStrike" spc="-1">
+              <a:latin typeface="Arial"/>
+            </a:endParaRPr>
+          </a:p>
+          <a:p>
+            <a:pPr>
+              <a:lnSpc>
+                <a:spcPct val="100000"/>
+              </a:lnSpc>
+            </a:pPr>
+            <a:r>
+              <a:rPr lang="en-US" sz="1600" b="0" strike="noStrike" spc="-1">
+                <a:solidFill>
+                  <a:srgbClr val="003057"/>
+                </a:solidFill>
+                <a:latin typeface="Consolas"/>
+                <a:ea typeface="NimbusRomNo9L-Regu"/>
+              </a:rPr>
+              <a:t>               </a:t>
+            </a:r>
+            <a:endParaRPr lang="en-US" sz="1600" b="0" strike="noStrike" spc="-1">
+              <a:latin typeface="Arial"/>
+            </a:endParaRPr>
+          </a:p>
+          <a:p>
+            <a:pPr>
+              <a:lnSpc>
+                <a:spcPct val="100000"/>
+              </a:lnSpc>
+            </a:pPr>
+            <a:endParaRPr lang="en-US" sz="1600" b="0" strike="noStrike" spc="-1">
+              <a:latin typeface="Arial"/>
+            </a:endParaRPr>
+          </a:p>
+          <a:p>
+            <a:pPr>
+              <a:lnSpc>
+                <a:spcPct val="100000"/>
+              </a:lnSpc>
+            </a:pPr>
+            <a:r>
+              <a:rPr lang="en-US" sz="1600" b="0" strike="noStrike" spc="-1">
+                <a:solidFill>
+                  <a:srgbClr val="003057"/>
+                </a:solidFill>
+                <a:latin typeface="Consolas"/>
+                <a:ea typeface="NimbusRomNo9L-Regu"/>
+              </a:rPr>
+              <a:t>Here, </a:t>
+            </a:r>
+            <a:r>
+              <a:rPr lang="en-US" sz="1600" b="0" strike="noStrike" spc="-1">
+                <a:solidFill>
+                  <a:srgbClr val="003057"/>
+                </a:solidFill>
+                <a:latin typeface="Consolas"/>
+                <a:ea typeface="CMMI10"/>
+              </a:rPr>
+              <a:t>d </a:t>
+            </a:r>
+            <a:r>
+              <a:rPr lang="en-US" sz="1600" b="0" strike="noStrike" spc="-1">
+                <a:solidFill>
+                  <a:srgbClr val="003057"/>
+                </a:solidFill>
+                <a:latin typeface="Consolas"/>
+                <a:ea typeface="NimbusRomNo9L-Regu"/>
+              </a:rPr>
+              <a:t>is the embedding dimension, </a:t>
+            </a:r>
+            <a:r>
+              <a:rPr lang="en-US" sz="1600" b="0" strike="noStrike" spc="-1">
+                <a:solidFill>
+                  <a:srgbClr val="003057"/>
+                </a:solidFill>
+                <a:latin typeface="Consolas"/>
+                <a:ea typeface="CMMI10"/>
+              </a:rPr>
+              <a:t>pos </a:t>
+            </a:r>
+            <a:r>
+              <a:rPr lang="en-US" sz="1600" b="0" strike="noStrike" spc="-1">
+                <a:solidFill>
+                  <a:srgbClr val="003057"/>
+                </a:solidFill>
+                <a:latin typeface="Consolas"/>
+                <a:ea typeface="NimbusRomNo9L-Regu"/>
+              </a:rPr>
+              <a:t>is the position of the token in the sequence, and </a:t>
+            </a:r>
+            <a:r>
+              <a:rPr lang="en-US" sz="1600" b="0" strike="noStrike" spc="-1">
+                <a:solidFill>
+                  <a:srgbClr val="003057"/>
+                </a:solidFill>
+                <a:latin typeface="Consolas"/>
+                <a:ea typeface="CMMI10"/>
+              </a:rPr>
+              <a:t>i </a:t>
+            </a:r>
+            <a:r>
+              <a:rPr lang="en-US" sz="1600" b="0" strike="noStrike" spc="-1">
+                <a:solidFill>
+                  <a:srgbClr val="003057"/>
+                </a:solidFill>
+                <a:latin typeface="Consolas"/>
+                <a:ea typeface="NimbusRomNo9L-Regu"/>
+              </a:rPr>
+              <a:t>maps to sin and cosine functions.</a:t>
+            </a:r>
+            <a:endParaRPr lang="en-US" sz="1600" b="0" strike="noStrike" spc="-1">
+              <a:latin typeface="Arial"/>
+            </a:endParaRPr>
+          </a:p>
+          <a:p>
+            <a:pPr>
+              <a:lnSpc>
+                <a:spcPct val="100000"/>
+              </a:lnSpc>
+            </a:pPr>
+            <a:endParaRPr lang="en-US" sz="1600" b="0" strike="noStrike" spc="-1">
+              <a:latin typeface="Arial"/>
+            </a:endParaRPr>
+          </a:p>
+          <a:p>
+            <a:pPr>
+              <a:lnSpc>
+                <a:spcPct val="100000"/>
+              </a:lnSpc>
+            </a:pPr>
+            <a:r>
+              <a:rPr lang="en-US" sz="1600" b="0" strike="noStrike" spc="-1">
+                <a:solidFill>
+                  <a:srgbClr val="003057"/>
+                </a:solidFill>
+                <a:latin typeface="Consolas"/>
                 <a:ea typeface="Roboto"/>
               </a:rPr>
               <a:t>    </a:t>
@@ -6866,7 +6790,7 @@
       </p:sp>
       <p:sp>
         <p:nvSpPr>
-          <p:cNvPr id="131" name="CustomShape 2"/>
+          <p:cNvPr id="134" name="CustomShape 2"/>
           <p:cNvSpPr/>
           <p:nvPr/>
         </p:nvSpPr>
@@ -6924,7 +6848,7 @@
       </p:sp>
       <p:pic>
         <p:nvPicPr>
-          <p:cNvPr id="132" name="Picture 131"/>
+          <p:cNvPr id="135" name="Picture 134"/>
           <p:cNvPicPr/>
           <p:nvPr/>
         </p:nvPicPr>
@@ -6934,8 +6858,8 @@
         </p:blipFill>
         <p:spPr>
           <a:xfrm>
-            <a:off x="2560320" y="2011680"/>
-            <a:ext cx="5668920" cy="4297320"/>
+            <a:off x="2208960" y="3885120"/>
+            <a:ext cx="4008600" cy="960840"/>
           </a:xfrm>
           <a:prstGeom prst="rect">
             <a:avLst/>
@@ -6988,7 +6912,7 @@
       </p:grpSpPr>
       <p:sp>
         <p:nvSpPr>
-          <p:cNvPr id="133" name="CustomShape 1"/>
+          <p:cNvPr id="136" name="CustomShape 1"/>
           <p:cNvSpPr/>
           <p:nvPr/>
         </p:nvSpPr>
@@ -7028,15 +6952,25 @@
                 <a:spcPct val="100000"/>
               </a:lnSpc>
             </a:pPr>
+            <a:endParaRPr lang="en-US" sz="1800" b="0" strike="noStrike" spc="-1">
+              <a:latin typeface="Arial"/>
+            </a:endParaRPr>
+          </a:p>
+          <a:p>
+            <a:pPr>
+              <a:lnSpc>
+                <a:spcPct val="100000"/>
+              </a:lnSpc>
+            </a:pPr>
             <a:r>
               <a:rPr lang="en-US" sz="1600" b="0" strike="noStrike" spc="-1">
                 <a:solidFill>
                   <a:srgbClr val="003057"/>
                 </a:solidFill>
                 <a:latin typeface="Consolas"/>
-                <a:ea typeface="NimbusRomNo9L-Regu"/>
-              </a:rPr>
-              <a:t>Token Embedding: </a:t>
+                <a:ea typeface="Roboto"/>
+              </a:rPr>
+              <a:t>Attending:</a:t>
             </a:r>
             <a:endParaRPr lang="en-US" sz="1600" b="0" strike="noStrike" spc="-1">
               <a:latin typeface="Arial"/>
@@ -7054,239 +6988,59 @@
                   <a:srgbClr val="003057"/>
                 </a:solidFill>
                 <a:latin typeface="Consolas"/>
-                <a:ea typeface="NimbusRomNo9L-Regu"/>
-              </a:rPr>
-              <a:t>continuing I used </a:t>
-            </a:r>
+                <a:ea typeface="Roboto"/>
+              </a:rPr>
+              <a:t>We perform soft alignment of the premise and hypothesis essentially achieved by passing the input premise and hypothesis through a multi-layer perceptron and then computing soft attention weights </a:t>
+            </a:r>
+            <a:endParaRPr lang="en-US" sz="1600" b="0" strike="noStrike" spc="-1">
+              <a:latin typeface="Arial"/>
+            </a:endParaRPr>
+          </a:p>
+          <a:p>
+            <a:pPr>
+              <a:lnSpc>
+                <a:spcPct val="100000"/>
+              </a:lnSpc>
+            </a:pPr>
+            <a:endParaRPr lang="en-US" sz="1600" b="0" strike="noStrike" spc="-1">
+              <a:latin typeface="Arial"/>
+            </a:endParaRPr>
+          </a:p>
+          <a:p>
+            <a:pPr>
+              <a:lnSpc>
+                <a:spcPct val="100000"/>
+              </a:lnSpc>
+            </a:pPr>
+            <a:endParaRPr lang="en-US" sz="1600" b="0" strike="noStrike" spc="-1">
+              <a:latin typeface="Arial"/>
+            </a:endParaRPr>
+          </a:p>
+          <a:p>
+            <a:pPr>
+              <a:lnSpc>
+                <a:spcPct val="100000"/>
+              </a:lnSpc>
+            </a:pPr>
             <a:r>
               <a:rPr lang="en-US" sz="1600" b="0" strike="noStrike" spc="-1">
                 <a:solidFill>
-                  <a:srgbClr val="000000"/>
-                </a:solidFill>
-                <a:latin typeface="Consolas"/>
-                <a:ea typeface="NimbusRomNo9L-Regu"/>
-              </a:rPr>
-              <a:t>Global Vectors (GloVe) embedding for word representation, an unsupervised learning algorithm for obtaining vector representations for words, with training performed on aggregated global word-word co-occurrence statistics from a corpus. To perform word embedding, I use GloVe 6B 100d.</a:t>
+                  <a:srgbClr val="003057"/>
+                </a:solidFill>
+                <a:latin typeface="Consolas"/>
+                <a:ea typeface="Roboto"/>
+              </a:rPr>
+              <a:t>where F is the multi-layer perceptron with ReLU nonlinear activation that maps pi, hj to a hidden dimension space. This allows us to calculate the projection of the premise over the hypothesis. The intuition behind the alignment model is based on a bidirectional RNN used as an encoder and decoder</a:t>
             </a:r>
             <a:endParaRPr lang="en-US" sz="1600" b="0" strike="noStrike" spc="-1">
               <a:latin typeface="Arial"/>
             </a:endParaRPr>
           </a:p>
-          <a:p>
-            <a:pPr>
-              <a:lnSpc>
-                <a:spcPct val="100000"/>
-              </a:lnSpc>
-            </a:pPr>
-            <a:endParaRPr lang="en-US" sz="1600" b="0" strike="noStrike" spc="-1">
-              <a:latin typeface="Arial"/>
-            </a:endParaRPr>
-          </a:p>
-          <a:p>
-            <a:pPr>
-              <a:lnSpc>
-                <a:spcPct val="100000"/>
-              </a:lnSpc>
-            </a:pPr>
-            <a:r>
-              <a:rPr lang="en-US" sz="1600" b="0" strike="noStrike" spc="-1">
-                <a:solidFill>
-                  <a:srgbClr val="003057"/>
-                </a:solidFill>
-                <a:latin typeface="Consolas"/>
-                <a:ea typeface="NimbusRomNo9L-Regu"/>
-              </a:rPr>
-              <a:t>Positional Encoding:  </a:t>
-            </a:r>
-            <a:endParaRPr lang="en-US" sz="1600" b="0" strike="noStrike" spc="-1">
-              <a:latin typeface="Arial"/>
-            </a:endParaRPr>
-          </a:p>
-          <a:p>
-            <a:pPr>
-              <a:lnSpc>
-                <a:spcPct val="100000"/>
-              </a:lnSpc>
-            </a:pPr>
-            <a:r>
-              <a:rPr lang="en-US" sz="1600" b="0" strike="noStrike" spc="-1">
-                <a:solidFill>
-                  <a:srgbClr val="003057"/>
-                </a:solidFill>
-                <a:latin typeface="Consolas"/>
-                <a:ea typeface="NimbusRomNo9L-Regu"/>
-              </a:rPr>
-              <a:t>Below formula uniquely encodes information about the position of a token.</a:t>
-            </a:r>
-            <a:r>
-              <a:rPr lang="en-US" sz="1600" b="0" strike="noStrike" spc="-1">
-                <a:solidFill>
-                  <a:srgbClr val="000000"/>
-                </a:solidFill>
-                <a:latin typeface="Consolas"/>
-                <a:ea typeface="NimbusRomNo9L-Regu"/>
-              </a:rPr>
-              <a:t> </a:t>
-            </a:r>
-            <a:endParaRPr lang="en-US" sz="1600" b="0" strike="noStrike" spc="-1">
-              <a:latin typeface="Arial"/>
-            </a:endParaRPr>
-          </a:p>
-          <a:p>
-            <a:pPr>
-              <a:lnSpc>
-                <a:spcPct val="100000"/>
-              </a:lnSpc>
-            </a:pPr>
-            <a:endParaRPr lang="en-US" sz="1600" b="0" strike="noStrike" spc="-1">
-              <a:latin typeface="Arial"/>
-            </a:endParaRPr>
-          </a:p>
-          <a:p>
-            <a:pPr>
-              <a:lnSpc>
-                <a:spcPct val="100000"/>
-              </a:lnSpc>
-            </a:pPr>
-            <a:r>
-              <a:rPr lang="en-US" sz="1600" b="0" strike="noStrike" spc="-1">
-                <a:solidFill>
-                  <a:srgbClr val="003057"/>
-                </a:solidFill>
-                <a:latin typeface="Consolas"/>
-                <a:ea typeface="NimbusRomNo9L-Regu"/>
-              </a:rPr>
-              <a:t>               </a:t>
-            </a:r>
-            <a:endParaRPr lang="en-US" sz="1600" b="0" strike="noStrike" spc="-1">
-              <a:latin typeface="Arial"/>
-            </a:endParaRPr>
-          </a:p>
-          <a:p>
-            <a:pPr>
-              <a:lnSpc>
-                <a:spcPct val="100000"/>
-              </a:lnSpc>
-            </a:pPr>
-            <a:endParaRPr lang="en-US" sz="1600" b="0" strike="noStrike" spc="-1">
-              <a:latin typeface="Arial"/>
-            </a:endParaRPr>
-          </a:p>
-          <a:p>
-            <a:pPr>
-              <a:lnSpc>
-                <a:spcPct val="100000"/>
-              </a:lnSpc>
-            </a:pPr>
-            <a:r>
-              <a:rPr lang="en-US" sz="1600" b="0" strike="noStrike" spc="-1">
-                <a:solidFill>
-                  <a:srgbClr val="003057"/>
-                </a:solidFill>
-                <a:latin typeface="Consolas"/>
-                <a:ea typeface="NimbusRomNo9L-Regu"/>
-              </a:rPr>
-              <a:t>Here, </a:t>
-            </a:r>
-            <a:r>
-              <a:rPr lang="en-US" sz="1600" b="0" strike="noStrike" spc="-1">
-                <a:solidFill>
-                  <a:srgbClr val="003057"/>
-                </a:solidFill>
-                <a:latin typeface="Consolas"/>
-                <a:ea typeface="CMMI10"/>
-              </a:rPr>
-              <a:t>d </a:t>
-            </a:r>
-            <a:r>
-              <a:rPr lang="en-US" sz="1600" b="0" strike="noStrike" spc="-1">
-                <a:solidFill>
-                  <a:srgbClr val="003057"/>
-                </a:solidFill>
-                <a:latin typeface="Consolas"/>
-                <a:ea typeface="NimbusRomNo9L-Regu"/>
-              </a:rPr>
-              <a:t>is the embedding dimension, </a:t>
-            </a:r>
-            <a:r>
-              <a:rPr lang="en-US" sz="1600" b="0" strike="noStrike" spc="-1">
-                <a:solidFill>
-                  <a:srgbClr val="003057"/>
-                </a:solidFill>
-                <a:latin typeface="Consolas"/>
-                <a:ea typeface="CMMI10"/>
-              </a:rPr>
-              <a:t>pos </a:t>
-            </a:r>
-            <a:r>
-              <a:rPr lang="en-US" sz="1600" b="0" strike="noStrike" spc="-1">
-                <a:solidFill>
-                  <a:srgbClr val="003057"/>
-                </a:solidFill>
-                <a:latin typeface="Consolas"/>
-                <a:ea typeface="NimbusRomNo9L-Regu"/>
-              </a:rPr>
-              <a:t>is the position of the token in the sequence, and </a:t>
-            </a:r>
-            <a:r>
-              <a:rPr lang="en-US" sz="1600" b="0" strike="noStrike" spc="-1">
-                <a:solidFill>
-                  <a:srgbClr val="003057"/>
-                </a:solidFill>
-                <a:latin typeface="Consolas"/>
-                <a:ea typeface="CMMI10"/>
-              </a:rPr>
-              <a:t>i </a:t>
-            </a:r>
-            <a:r>
-              <a:rPr lang="en-US" sz="1600" b="0" strike="noStrike" spc="-1">
-                <a:solidFill>
-                  <a:srgbClr val="003057"/>
-                </a:solidFill>
-                <a:latin typeface="Consolas"/>
-                <a:ea typeface="NimbusRomNo9L-Regu"/>
-              </a:rPr>
-              <a:t>maps to sin and cosine functions.</a:t>
-            </a:r>
-            <a:endParaRPr lang="en-US" sz="1600" b="0" strike="noStrike" spc="-1">
-              <a:latin typeface="Arial"/>
-            </a:endParaRPr>
-          </a:p>
-          <a:p>
-            <a:pPr>
-              <a:lnSpc>
-                <a:spcPct val="100000"/>
-              </a:lnSpc>
-            </a:pPr>
-            <a:endParaRPr lang="en-US" sz="1600" b="0" strike="noStrike" spc="-1">
-              <a:latin typeface="Arial"/>
-            </a:endParaRPr>
-          </a:p>
-          <a:p>
-            <a:pPr>
-              <a:lnSpc>
-                <a:spcPct val="100000"/>
-              </a:lnSpc>
-            </a:pPr>
-            <a:r>
-              <a:rPr lang="en-US" sz="1600" b="0" strike="noStrike" spc="-1">
-                <a:solidFill>
-                  <a:srgbClr val="003057"/>
-                </a:solidFill>
-                <a:latin typeface="Consolas"/>
-                <a:ea typeface="Roboto"/>
-              </a:rPr>
-              <a:t>    </a:t>
-            </a:r>
-            <a:endParaRPr lang="en-US" sz="1600" b="0" strike="noStrike" spc="-1">
-              <a:latin typeface="Arial"/>
-            </a:endParaRPr>
-          </a:p>
-        </p:txBody>
-      </p:sp>
-      <p:sp>
-        <p:nvSpPr>
-          <p:cNvPr id="134" name="CustomShape 2"/>
+        </p:txBody>
+      </p:sp>
+      <p:sp>
+        <p:nvSpPr>
+          <p:cNvPr id="137" name="CustomShape 2"/>
           <p:cNvSpPr/>
           <p:nvPr/>
         </p:nvSpPr>
@@ -7344,7 +7098,7 @@
       </p:sp>
       <p:pic>
         <p:nvPicPr>
-          <p:cNvPr id="135" name="Picture 134"/>
+          <p:cNvPr id="138" name="Picture 137"/>
           <p:cNvPicPr/>
           <p:nvPr/>
         </p:nvPicPr>
@@ -7354,8 +7108,31 @@
         </p:blipFill>
         <p:spPr>
           <a:xfrm>
-            <a:off x="2208960" y="3885120"/>
-            <a:ext cx="4008600" cy="960840"/>
+            <a:off x="1945800" y="2877120"/>
+            <a:ext cx="1894320" cy="322920"/>
+          </a:xfrm>
+          <a:prstGeom prst="rect">
+            <a:avLst/>
+          </a:prstGeom>
+          <a:ln>
+            <a:noFill/>
+          </a:ln>
+        </p:spPr>
+      </p:pic>
+      <p:pic>
+        <p:nvPicPr>
+          <p:cNvPr id="139" name="Picture 138"/>
+          <p:cNvPicPr/>
+          <p:nvPr/>
+        </p:nvPicPr>
+        <p:blipFill>
+          <a:blip r:embed="rId3"/>
+          <a:stretch/>
+        </p:blipFill>
+        <p:spPr>
+          <a:xfrm>
+            <a:off x="730800" y="4559400"/>
+            <a:ext cx="4389480" cy="1475280"/>
           </a:xfrm>
           <a:prstGeom prst="rect">
             <a:avLst/>
@@ -7408,7 +7185,7 @@
       </p:grpSpPr>
       <p:sp>
         <p:nvSpPr>
-          <p:cNvPr id="136" name="CustomShape 1"/>
+          <p:cNvPr id="143" name="CustomShape 1"/>
           <p:cNvSpPr/>
           <p:nvPr/>
         </p:nvSpPr>
@@ -7448,16 +7225,6 @@
                 <a:spcPct val="100000"/>
               </a:lnSpc>
             </a:pPr>
-            <a:endParaRPr lang="en-US" sz="1800" b="0" strike="noStrike" spc="-1">
-              <a:latin typeface="Arial"/>
-            </a:endParaRPr>
-          </a:p>
-          <a:p>
-            <a:pPr>
-              <a:lnSpc>
-                <a:spcPct val="100000"/>
-              </a:lnSpc>
-            </a:pPr>
             <a:r>
               <a:rPr lang="en-US" sz="1600" b="0" strike="noStrike" spc="-1">
                 <a:solidFill>
@@ -7466,7 +7233,7 @@
                 <a:latin typeface="Consolas"/>
                 <a:ea typeface="Roboto"/>
               </a:rPr>
-              <a:t>Attending:</a:t>
+              <a:t>Comparing:</a:t>
             </a:r>
             <a:endParaRPr lang="en-US" sz="1600" b="0" strike="noStrike" spc="-1">
               <a:latin typeface="Arial"/>
@@ -7486,7 +7253,7 @@
                 <a:latin typeface="Consolas"/>
                 <a:ea typeface="Roboto"/>
               </a:rPr>
-              <a:t>We perform soft alignment of the premise and hypothesis essentially achieved by passing the input premise and hypothesis through a multi-layer perceptron and then computing soft attention weights </a:t>
+              <a:t>In the compare section, all the tokens from one sequence, with their corresponding weights are compared with a token in the other sequence.</a:t>
             </a:r>
             <a:endParaRPr lang="en-US" sz="1600" b="0" strike="noStrike" spc="-1">
               <a:latin typeface="Arial"/>
@@ -7518,6 +7285,16 @@
                 <a:spcPct val="100000"/>
               </a:lnSpc>
             </a:pPr>
+            <a:endParaRPr lang="en-US" sz="1600" b="0" strike="noStrike" spc="-1">
+              <a:latin typeface="Arial"/>
+            </a:endParaRPr>
+          </a:p>
+          <a:p>
+            <a:pPr>
+              <a:lnSpc>
+                <a:spcPct val="100000"/>
+              </a:lnSpc>
+            </a:pPr>
             <a:r>
               <a:rPr lang="en-US" sz="1600" b="0" strike="noStrike" spc="-1">
                 <a:solidFill>
@@ -7526,7 +7303,7 @@
                 <a:latin typeface="Consolas"/>
                 <a:ea typeface="Roboto"/>
               </a:rPr>
-              <a:t>where F is the multi-layer perceptron with ReLU nonlinear activation that maps pi, hj to a hidden dimension space. This allows us to calculate the projection of the premise over the hypothesis. The intuition behind the alignment model is based on a bidirectional RNN used as an encoder and decoder</a:t>
+              <a:t>The representation is the concatenation of premise token pi and the softly aligned weight representation for that token Φi . A similar operation is performed for the hypothesis as well. As the concatenation operation is performed along the embedding dimension, the multi-layer perceptron G maps input dimension equal to twice the embedding dimension, to the number of hidden units.</a:t>
             </a:r>
             <a:endParaRPr lang="en-US" sz="1600" b="0" strike="noStrike" spc="-1">
               <a:latin typeface="Arial"/>
@@ -7536,7 +7313,7 @@
       </p:sp>
       <p:sp>
         <p:nvSpPr>
-          <p:cNvPr id="137" name="CustomShape 2"/>
+          <p:cNvPr id="144" name="CustomShape 2"/>
           <p:cNvSpPr/>
           <p:nvPr/>
         </p:nvSpPr>
@@ -7594,7 +7371,7 @@
       </p:sp>
       <p:pic>
         <p:nvPicPr>
-          <p:cNvPr id="138" name="Picture 137"/>
+          <p:cNvPr id="145" name="Picture 144"/>
           <p:cNvPicPr/>
           <p:nvPr/>
         </p:nvPicPr>
@@ -7604,31 +7381,8 @@
         </p:blipFill>
         <p:spPr>
           <a:xfrm>
-            <a:off x="1945800" y="2877120"/>
-            <a:ext cx="1894320" cy="322920"/>
-          </a:xfrm>
-          <a:prstGeom prst="rect">
-            <a:avLst/>
-          </a:prstGeom>
-          <a:ln>
-            <a:noFill/>
-          </a:ln>
-        </p:spPr>
-      </p:pic>
-      <p:pic>
-        <p:nvPicPr>
-          <p:cNvPr id="139" name="Picture 138"/>
-          <p:cNvPicPr/>
-          <p:nvPr/>
-        </p:nvPicPr>
-        <p:blipFill>
-          <a:blip r:embed="rId3"/>
-          <a:stretch/>
-        </p:blipFill>
-        <p:spPr>
-          <a:xfrm>
-            <a:off x="730800" y="4559400"/>
-            <a:ext cx="4389480" cy="1475280"/>
+            <a:off x="2545920" y="2377440"/>
+            <a:ext cx="2665800" cy="866160"/>
           </a:xfrm>
           <a:prstGeom prst="rect">
             <a:avLst/>
